--- a/LectureFiles/cshl/2016/RNASeq_Module4_Lecture.pptx
+++ b/LectureFiles/cshl/2016/RNASeq_Module4_Lecture.pptx
@@ -5,15 +5,26 @@
     <p:sldMasterId id="2147483648" r:id="rId1"/>
   </p:sldMasterIdLst>
   <p:notesMasterIdLst>
-    <p:notesMasterId r:id="rId5"/>
+    <p:notesMasterId r:id="rId16"/>
   </p:notesMasterIdLst>
   <p:handoutMasterIdLst>
-    <p:handoutMasterId r:id="rId6"/>
+    <p:handoutMasterId r:id="rId17"/>
   </p:handoutMasterIdLst>
   <p:sldIdLst>
     <p:sldId id="341" r:id="rId2"/>
     <p:sldId id="513" r:id="rId3"/>
-    <p:sldId id="512" r:id="rId4"/>
+    <p:sldId id="514" r:id="rId4"/>
+    <p:sldId id="515" r:id="rId5"/>
+    <p:sldId id="516" r:id="rId6"/>
+    <p:sldId id="519" r:id="rId7"/>
+    <p:sldId id="520" r:id="rId8"/>
+    <p:sldId id="517" r:id="rId9"/>
+    <p:sldId id="527" r:id="rId10"/>
+    <p:sldId id="518" r:id="rId11"/>
+    <p:sldId id="521" r:id="rId12"/>
+    <p:sldId id="524" r:id="rId13"/>
+    <p:sldId id="525" r:id="rId14"/>
+    <p:sldId id="512" r:id="rId15"/>
   </p:sldIdLst>
   <p:sldSz cx="9144000" cy="6858000" type="screen4x3"/>
   <p:notesSz cx="7315200" cy="9601200"/>
@@ -144,7 +155,7 @@
   </p:defaultTextStyle>
   <p:extLst>
     <p:ext uri="{EFAFB233-063F-42B5-8137-9DF3F51BA10A}">
-      <p15:sldGuideLst xmlns:p15="http://schemas.microsoft.com/office/powerpoint/2012/main">
+      <p15:sldGuideLst xmlns="" xmlns:p15="http://schemas.microsoft.com/office/powerpoint/2012/main">
         <p15:guide id="1" orient="horz" pos="2160">
           <p15:clr>
             <a:srgbClr val="A4A3A4"/>
@@ -264,7 +275,7 @@
               <a:pPr>
                 <a:defRPr/>
               </a:pPr>
-              <a:t>11/10/16</a:t>
+              <a:t>11/15/16</a:t>
             </a:fld>
             <a:endParaRPr lang="en-US"/>
           </a:p>
@@ -471,7 +482,7 @@
               <a:pPr>
                 <a:defRPr/>
               </a:pPr>
-              <a:t>11/10/16</a:t>
+              <a:t>11/15/16</a:t>
             </a:fld>
             <a:endParaRPr lang="en-US"/>
           </a:p>
@@ -799,6 +810,273 @@
 </p:notesMaster>
 </file>
 
+<file path=ppt/notesSlides/notesSlide1.xml><?xml version="1.0" encoding="utf-8"?>
+<p:notes xmlns:a="http://schemas.openxmlformats.org/drawingml/2006/main" xmlns:r="http://schemas.openxmlformats.org/officeDocument/2006/relationships" xmlns:p="http://schemas.openxmlformats.org/presentationml/2006/main">
+  <p:cSld>
+    <p:spTree>
+      <p:nvGrpSpPr>
+        <p:cNvPr id="1" name=""/>
+        <p:cNvGrpSpPr/>
+        <p:nvPr/>
+      </p:nvGrpSpPr>
+      <p:grpSpPr>
+        <a:xfrm>
+          <a:off x="0" y="0"/>
+          <a:ext cx="0" cy="0"/>
+          <a:chOff x="0" y="0"/>
+          <a:chExt cx="0" cy="0"/>
+        </a:xfrm>
+      </p:grpSpPr>
+      <p:sp>
+        <p:nvSpPr>
+          <p:cNvPr id="14337" name="Slide Image Placeholder 1"/>
+          <p:cNvSpPr>
+            <a:spLocks noGrp="1" noRot="1" noChangeAspect="1"/>
+          </p:cNvSpPr>
+          <p:nvPr>
+            <p:ph type="sldImg"/>
+          </p:nvPr>
+        </p:nvSpPr>
+        <p:spPr bwMode="auto">
+          <a:noFill/>
+          <a:ln>
+            <a:solidFill>
+              <a:srgbClr val="000000"/>
+            </a:solidFill>
+            <a:miter lim="800000"/>
+            <a:headEnd/>
+            <a:tailEnd/>
+          </a:ln>
+          <a:extLst>
+            <a:ext uri="{909E8E84-426E-40dd-AFC4-6F175D3DCCD1}">
+              <a14:hiddenFill xmlns:a14="http://schemas.microsoft.com/office/drawing/2010/main">
+                <a:solidFill>
+                  <a:srgbClr val="FFFFFF"/>
+                </a:solidFill>
+              </a14:hiddenFill>
+            </a:ext>
+            <a:ext uri="{FAA26D3D-D897-4be2-8F04-BA451C77F1D7}">
+              <ma14:placeholderFlag xmlns:ma14="http://schemas.microsoft.com/office/mac/drawingml/2011/main" val="1"/>
+            </a:ext>
+          </a:extLst>
+        </p:spPr>
+      </p:sp>
+      <p:sp>
+        <p:nvSpPr>
+          <p:cNvPr id="14338" name="Notes Placeholder 2"/>
+          <p:cNvSpPr>
+            <a:spLocks noGrp="1"/>
+          </p:cNvSpPr>
+          <p:nvPr>
+            <p:ph type="body" idx="1"/>
+          </p:nvPr>
+        </p:nvSpPr>
+        <p:spPr bwMode="auto">
+          <a:noFill/>
+          <a:extLst>
+            <a:ext uri="{909E8E84-426E-40dd-AFC4-6F175D3DCCD1}">
+              <a14:hiddenFill xmlns:a14="http://schemas.microsoft.com/office/drawing/2010/main">
+                <a:solidFill>
+                  <a:srgbClr val="FFFFFF"/>
+                </a:solidFill>
+              </a14:hiddenFill>
+            </a:ext>
+            <a:ext uri="{91240B29-F687-4f45-9708-019B960494DF}">
+              <a14:hiddenLine xmlns:a14="http://schemas.microsoft.com/office/drawing/2010/main" w="9525">
+                <a:solidFill>
+                  <a:srgbClr val="000000"/>
+                </a:solidFill>
+                <a:miter lim="800000"/>
+                <a:headEnd/>
+                <a:tailEnd/>
+              </a14:hiddenLine>
+            </a:ext>
+            <a:ext uri="{FAA26D3D-D897-4be2-8F04-BA451C77F1D7}">
+              <ma14:placeholderFlag xmlns:ma14="http://schemas.microsoft.com/office/mac/drawingml/2011/main" val="1"/>
+            </a:ext>
+          </a:extLst>
+        </p:spPr>
+        <p:txBody>
+          <a:bodyPr wrap="square" numCol="1" anchor="t" anchorCtr="0" compatLnSpc="1">
+            <a:prstTxWarp prst="textNoShape">
+              <a:avLst/>
+            </a:prstTxWarp>
+          </a:bodyPr>
+          <a:lstStyle/>
+          <a:p>
+            <a:endParaRPr lang="en-US">
+              <a:latin typeface="Calibri" charset="0"/>
+              <a:ea typeface="ＭＳ Ｐゴシック" charset="0"/>
+              <a:cs typeface="ＭＳ Ｐゴシック" charset="0"/>
+            </a:endParaRPr>
+          </a:p>
+        </p:txBody>
+      </p:sp>
+      <p:sp>
+        <p:nvSpPr>
+          <p:cNvPr id="14339" name="Slide Number Placeholder 3"/>
+          <p:cNvSpPr>
+            <a:spLocks noGrp="1"/>
+          </p:cNvSpPr>
+          <p:nvPr>
+            <p:ph type="sldNum" sz="quarter" idx="5"/>
+          </p:nvPr>
+        </p:nvSpPr>
+        <p:spPr bwMode="auto">
+          <a:noFill/>
+          <a:extLst>
+            <a:ext uri="{909E8E84-426E-40dd-AFC4-6F175D3DCCD1}">
+              <a14:hiddenFill xmlns:a14="http://schemas.microsoft.com/office/drawing/2010/main">
+                <a:solidFill>
+                  <a:srgbClr val="FFFFFF"/>
+                </a:solidFill>
+              </a14:hiddenFill>
+            </a:ext>
+            <a:ext uri="{91240B29-F687-4f45-9708-019B960494DF}">
+              <a14:hiddenLine xmlns:a14="http://schemas.microsoft.com/office/drawing/2010/main" w="9525">
+                <a:solidFill>
+                  <a:srgbClr val="000000"/>
+                </a:solidFill>
+                <a:miter lim="800000"/>
+                <a:headEnd/>
+                <a:tailEnd/>
+              </a14:hiddenLine>
+            </a:ext>
+          </a:extLst>
+        </p:spPr>
+        <p:txBody>
+          <a:bodyPr/>
+          <a:lstStyle>
+            <a:lvl1pPr eaLnBrk="0" hangingPunct="0">
+              <a:defRPr sz="2400">
+                <a:solidFill>
+                  <a:schemeClr val="tx1"/>
+                </a:solidFill>
+                <a:latin typeface="Arial" charset="0"/>
+                <a:ea typeface="ＭＳ Ｐゴシック" charset="0"/>
+                <a:cs typeface="ＭＳ Ｐゴシック" charset="0"/>
+              </a:defRPr>
+            </a:lvl1pPr>
+            <a:lvl2pPr marL="742950" indent="-285750" eaLnBrk="0" hangingPunct="0">
+              <a:defRPr sz="2400">
+                <a:solidFill>
+                  <a:schemeClr val="tx1"/>
+                </a:solidFill>
+                <a:latin typeface="Arial" charset="0"/>
+                <a:ea typeface="ＭＳ Ｐゴシック" charset="0"/>
+              </a:defRPr>
+            </a:lvl2pPr>
+            <a:lvl3pPr marL="1143000" indent="-228600" eaLnBrk="0" hangingPunct="0">
+              <a:defRPr sz="2400">
+                <a:solidFill>
+                  <a:schemeClr val="tx1"/>
+                </a:solidFill>
+                <a:latin typeface="Arial" charset="0"/>
+                <a:ea typeface="ＭＳ Ｐゴシック" charset="0"/>
+              </a:defRPr>
+            </a:lvl3pPr>
+            <a:lvl4pPr marL="1600200" indent="-228600" eaLnBrk="0" hangingPunct="0">
+              <a:defRPr sz="2400">
+                <a:solidFill>
+                  <a:schemeClr val="tx1"/>
+                </a:solidFill>
+                <a:latin typeface="Arial" charset="0"/>
+                <a:ea typeface="ＭＳ Ｐゴシック" charset="0"/>
+              </a:defRPr>
+            </a:lvl4pPr>
+            <a:lvl5pPr marL="2057400" indent="-228600" eaLnBrk="0" hangingPunct="0">
+              <a:defRPr sz="2400">
+                <a:solidFill>
+                  <a:schemeClr val="tx1"/>
+                </a:solidFill>
+                <a:latin typeface="Arial" charset="0"/>
+                <a:ea typeface="ＭＳ Ｐゴシック" charset="0"/>
+              </a:defRPr>
+            </a:lvl5pPr>
+            <a:lvl6pPr marL="2514600" indent="-228600" eaLnBrk="0" fontAlgn="base" hangingPunct="0">
+              <a:spcBef>
+                <a:spcPct val="0"/>
+              </a:spcBef>
+              <a:spcAft>
+                <a:spcPct val="0"/>
+              </a:spcAft>
+              <a:defRPr sz="2400">
+                <a:solidFill>
+                  <a:schemeClr val="tx1"/>
+                </a:solidFill>
+                <a:latin typeface="Arial" charset="0"/>
+                <a:ea typeface="ＭＳ Ｐゴシック" charset="0"/>
+              </a:defRPr>
+            </a:lvl6pPr>
+            <a:lvl7pPr marL="2971800" indent="-228600" eaLnBrk="0" fontAlgn="base" hangingPunct="0">
+              <a:spcBef>
+                <a:spcPct val="0"/>
+              </a:spcBef>
+              <a:spcAft>
+                <a:spcPct val="0"/>
+              </a:spcAft>
+              <a:defRPr sz="2400">
+                <a:solidFill>
+                  <a:schemeClr val="tx1"/>
+                </a:solidFill>
+                <a:latin typeface="Arial" charset="0"/>
+                <a:ea typeface="ＭＳ Ｐゴシック" charset="0"/>
+              </a:defRPr>
+            </a:lvl7pPr>
+            <a:lvl8pPr marL="3429000" indent="-228600" eaLnBrk="0" fontAlgn="base" hangingPunct="0">
+              <a:spcBef>
+                <a:spcPct val="0"/>
+              </a:spcBef>
+              <a:spcAft>
+                <a:spcPct val="0"/>
+              </a:spcAft>
+              <a:defRPr sz="2400">
+                <a:solidFill>
+                  <a:schemeClr val="tx1"/>
+                </a:solidFill>
+                <a:latin typeface="Arial" charset="0"/>
+                <a:ea typeface="ＭＳ Ｐゴシック" charset="0"/>
+              </a:defRPr>
+            </a:lvl8pPr>
+            <a:lvl9pPr marL="3886200" indent="-228600" eaLnBrk="0" fontAlgn="base" hangingPunct="0">
+              <a:spcBef>
+                <a:spcPct val="0"/>
+              </a:spcBef>
+              <a:spcAft>
+                <a:spcPct val="0"/>
+              </a:spcAft>
+              <a:defRPr sz="2400">
+                <a:solidFill>
+                  <a:schemeClr val="tx1"/>
+                </a:solidFill>
+                <a:latin typeface="Arial" charset="0"/>
+                <a:ea typeface="ＭＳ Ｐゴシック" charset="0"/>
+              </a:defRPr>
+            </a:lvl9pPr>
+          </a:lstStyle>
+          <a:p>
+            <a:pPr eaLnBrk="1" hangingPunct="1"/>
+            <a:fld id="{047C8C39-31A5-BB46-9991-A41ACE8D4E18}" type="slidenum">
+              <a:rPr lang="en-US" sz="1300">
+                <a:latin typeface="Calibri" charset="0"/>
+              </a:rPr>
+              <a:pPr eaLnBrk="1" hangingPunct="1"/>
+              <a:t>4</a:t>
+            </a:fld>
+            <a:endParaRPr lang="en-US" sz="1300">
+              <a:latin typeface="Calibri" charset="0"/>
+            </a:endParaRPr>
+          </a:p>
+        </p:txBody>
+      </p:sp>
+    </p:spTree>
+  </p:cSld>
+  <p:clrMapOvr>
+    <a:masterClrMapping/>
+  </p:clrMapOvr>
+</p:notes>
+</file>
+
 <file path=ppt/slideLayouts/slideLayout1.xml><?xml version="1.0" encoding="utf-8"?>
 <p:sldLayout xmlns:a="http://schemas.openxmlformats.org/drawingml/2006/main" xmlns:r="http://schemas.openxmlformats.org/officeDocument/2006/relationships" xmlns:p="http://schemas.openxmlformats.org/presentationml/2006/main" preserve="1" userDrawn="1">
   <p:cSld name="Title">
@@ -906,14 +1184,14 @@
           </a:ln>
           <a:extLst>
             <a:ext uri="{909E8E84-426E-40dd-AFC4-6F175D3DCCD1}">
-              <a14:hiddenFill xmlns:a14="http://schemas.microsoft.com/office/drawing/2010/main" xmlns="">
+              <a14:hiddenFill xmlns:a14="http://schemas.microsoft.com/office/drawing/2010/main">
                 <a:solidFill>
                   <a:srgbClr val="FFFFFF"/>
                 </a:solidFill>
               </a14:hiddenFill>
             </a:ext>
             <a:ext uri="{91240B29-F687-4f45-9708-019B960494DF}">
-              <a14:hiddenLine xmlns:a14="http://schemas.microsoft.com/office/drawing/2010/main" xmlns="" w="9525">
+              <a14:hiddenLine xmlns:a14="http://schemas.microsoft.com/office/drawing/2010/main" w="9525">
                 <a:solidFill>
                   <a:srgbClr val="000000"/>
                 </a:solidFill>
@@ -2936,18 +3214,15 @@
             <a:noFill/>
           </a:ln>
           <a:extLst>
-            <a:ext uri="{FAA26D3D-D897-4be2-8F04-BA451C77F1D7}">
-              <ma14:placeholderFlag xmlns:ma14="http://schemas.microsoft.com/office/mac/drawingml/2011/main" val="1"/>
-            </a:ext>
             <a:ext uri="{909E8E84-426E-40dd-AFC4-6F175D3DCCD1}">
-              <a14:hiddenFill xmlns:a14="http://schemas.microsoft.com/office/drawing/2010/main" xmlns="">
+              <a14:hiddenFill xmlns:a14="http://schemas.microsoft.com/office/drawing/2010/main">
                 <a:solidFill>
                   <a:srgbClr val="FFFFFF"/>
                 </a:solidFill>
               </a14:hiddenFill>
             </a:ext>
             <a:ext uri="{91240B29-F687-4f45-9708-019B960494DF}">
-              <a14:hiddenLine xmlns:a14="http://schemas.microsoft.com/office/drawing/2010/main" xmlns="" w="9525">
+              <a14:hiddenLine xmlns:a14="http://schemas.microsoft.com/office/drawing/2010/main" w="9525">
                 <a:solidFill>
                   <a:srgbClr val="000000"/>
                 </a:solidFill>
@@ -2955,6 +3230,9 @@
                 <a:headEnd/>
                 <a:tailEnd/>
               </a14:hiddenLine>
+            </a:ext>
+            <a:ext uri="{FAA26D3D-D897-4be2-8F04-BA451C77F1D7}">
+              <ma14:placeholderFlag xmlns:ma14="http://schemas.microsoft.com/office/mac/drawingml/2011/main" val="1"/>
             </a:ext>
           </a:extLst>
         </p:spPr>
@@ -2997,18 +3275,15 @@
             <a:noFill/>
           </a:ln>
           <a:extLst>
-            <a:ext uri="{FAA26D3D-D897-4be2-8F04-BA451C77F1D7}">
-              <ma14:placeholderFlag xmlns:ma14="http://schemas.microsoft.com/office/mac/drawingml/2011/main" val="1"/>
-            </a:ext>
             <a:ext uri="{909E8E84-426E-40dd-AFC4-6F175D3DCCD1}">
-              <a14:hiddenFill xmlns:a14="http://schemas.microsoft.com/office/drawing/2010/main" xmlns="">
+              <a14:hiddenFill xmlns:a14="http://schemas.microsoft.com/office/drawing/2010/main">
                 <a:solidFill>
                   <a:srgbClr val="FFFFFF"/>
                 </a:solidFill>
               </a14:hiddenFill>
             </a:ext>
             <a:ext uri="{91240B29-F687-4f45-9708-019B960494DF}">
-              <a14:hiddenLine xmlns:a14="http://schemas.microsoft.com/office/drawing/2010/main" xmlns="" w="9525">
+              <a14:hiddenLine xmlns:a14="http://schemas.microsoft.com/office/drawing/2010/main" w="9525">
                 <a:solidFill>
                   <a:srgbClr val="000000"/>
                 </a:solidFill>
@@ -3016,6 +3291,9 @@
                 <a:headEnd/>
                 <a:tailEnd/>
               </a14:hiddenLine>
+            </a:ext>
+            <a:ext uri="{FAA26D3D-D897-4be2-8F04-BA451C77F1D7}">
+              <ma14:placeholderFlag xmlns:ma14="http://schemas.microsoft.com/office/mac/drawingml/2011/main" val="1"/>
             </a:ext>
           </a:extLst>
         </p:spPr>
@@ -3107,7 +3385,7 @@
               <a:pPr>
                 <a:defRPr/>
               </a:pPr>
-              <a:t>11/10/16</a:t>
+              <a:t>11/15/16</a:t>
             </a:fld>
             <a:endParaRPr lang="en-US"/>
           </a:p>
@@ -3687,18 +3965,15 @@
             <a:noFill/>
           </a:ln>
           <a:extLst>
-            <a:ext uri="{FAA26D3D-D897-4be2-8F04-BA451C77F1D7}">
-              <ma14:placeholderFlag xmlns:ma14="http://schemas.microsoft.com/office/mac/drawingml/2011/main" val="1"/>
-            </a:ext>
             <a:ext uri="{909E8E84-426E-40dd-AFC4-6F175D3DCCD1}">
-              <a14:hiddenFill xmlns:a14="http://schemas.microsoft.com/office/drawing/2010/main" xmlns="">
+              <a14:hiddenFill xmlns:a14="http://schemas.microsoft.com/office/drawing/2010/main">
                 <a:solidFill>
                   <a:srgbClr val="FFFFFF"/>
                 </a:solidFill>
               </a14:hiddenFill>
             </a:ext>
             <a:ext uri="{91240B29-F687-4f45-9708-019B960494DF}">
-              <a14:hiddenLine xmlns:a14="http://schemas.microsoft.com/office/drawing/2010/main" xmlns="" w="9525">
+              <a14:hiddenLine xmlns:a14="http://schemas.microsoft.com/office/drawing/2010/main" w="9525">
                 <a:solidFill>
                   <a:srgbClr val="000000"/>
                 </a:solidFill>
@@ -3706,6 +3981,9 @@
                 <a:headEnd/>
                 <a:tailEnd/>
               </a14:hiddenLine>
+            </a:ext>
+            <a:ext uri="{FAA26D3D-D897-4be2-8F04-BA451C77F1D7}">
+              <ma14:placeholderFlag xmlns:ma14="http://schemas.microsoft.com/office/mac/drawingml/2011/main" val="1"/>
             </a:ext>
           </a:extLst>
         </p:spPr>
@@ -3832,6 +4110,669 @@
                 <a:latin typeface="Calibri" charset="0"/>
               </a:rPr>
               <a:t>http://meetings.cshl.edu/courses.html</a:t>
+            </a:r>
+          </a:p>
+        </p:txBody>
+      </p:sp>
+    </p:spTree>
+  </p:cSld>
+  <p:clrMapOvr>
+    <a:masterClrMapping/>
+  </p:clrMapOvr>
+</p:sld>
+</file>
+
+<file path=ppt/slides/slide10.xml><?xml version="1.0" encoding="utf-8"?>
+<p:sld xmlns:a="http://schemas.openxmlformats.org/drawingml/2006/main" xmlns:r="http://schemas.openxmlformats.org/officeDocument/2006/relationships" xmlns:p="http://schemas.openxmlformats.org/presentationml/2006/main">
+  <p:cSld>
+    <p:spTree>
+      <p:nvGrpSpPr>
+        <p:cNvPr id="1" name=""/>
+        <p:cNvGrpSpPr/>
+        <p:nvPr/>
+      </p:nvGrpSpPr>
+      <p:grpSpPr>
+        <a:xfrm>
+          <a:off x="0" y="0"/>
+          <a:ext cx="0" cy="0"/>
+          <a:chOff x="0" y="0"/>
+          <a:chExt cx="0" cy="0"/>
+        </a:xfrm>
+      </p:grpSpPr>
+      <p:sp>
+        <p:nvSpPr>
+          <p:cNvPr id="17409" name="Title 1"/>
+          <p:cNvSpPr>
+            <a:spLocks noGrp="1"/>
+          </p:cNvSpPr>
+          <p:nvPr>
+            <p:ph type="title"/>
+          </p:nvPr>
+        </p:nvSpPr>
+        <p:spPr>
+          <a:xfrm>
+            <a:off x="152400" y="-26988"/>
+            <a:ext cx="8839200" cy="1143001"/>
+          </a:xfrm>
+        </p:spPr>
+        <p:txBody>
+          <a:bodyPr/>
+          <a:lstStyle/>
+          <a:p>
+            <a:r>
+              <a:rPr lang="en-US">
+                <a:latin typeface="Calibri" charset="0"/>
+                <a:ea typeface="ＭＳ Ｐゴシック" charset="0"/>
+              </a:rPr>
+              <a:t>Useful resources and discussion</a:t>
+            </a:r>
+          </a:p>
+        </p:txBody>
+      </p:sp>
+      <p:sp>
+        <p:nvSpPr>
+          <p:cNvPr id="3" name="Content Placeholder 2"/>
+          <p:cNvSpPr>
+            <a:spLocks noGrp="1"/>
+          </p:cNvSpPr>
+          <p:nvPr>
+            <p:ph idx="1"/>
+          </p:nvPr>
+        </p:nvSpPr>
+        <p:spPr>
+          <a:xfrm>
+            <a:off x="152400" y="1341438"/>
+            <a:ext cx="8839200" cy="4724400"/>
+          </a:xfrm>
+        </p:spPr>
+        <p:txBody>
+          <a:bodyPr>
+            <a:normAutofit fontScale="85000" lnSpcReduction="20000"/>
+          </a:bodyPr>
+          <a:lstStyle/>
+          <a:p>
+            <a:pPr>
+              <a:defRPr/>
+            </a:pPr>
+            <a:r>
+              <a:rPr lang="en-US" dirty="0"/>
+              <a:t>Best approach to predict novel and alternative splicing events from RNA-seq </a:t>
+            </a:r>
+            <a:r>
+              <a:rPr lang="en-US" dirty="0" smtClean="0"/>
+              <a:t>data</a:t>
+            </a:r>
+          </a:p>
+          <a:p>
+            <a:pPr lvl="1">
+              <a:defRPr/>
+            </a:pPr>
+            <a:r>
+              <a:rPr lang="en-US" dirty="0">
+                <a:hlinkClick r:id="rId2"/>
+              </a:rPr>
+              <a:t>http://www.biostars.org/p/68966</a:t>
+            </a:r>
+            <a:r>
+              <a:rPr lang="en-US" dirty="0" smtClean="0">
+                <a:hlinkClick r:id="rId2"/>
+              </a:rPr>
+              <a:t>/</a:t>
+            </a:r>
+            <a:endParaRPr lang="en-US" dirty="0" smtClean="0"/>
+          </a:p>
+          <a:p>
+            <a:pPr lvl="1">
+              <a:defRPr/>
+            </a:pPr>
+            <a:r>
+              <a:rPr lang="en-US" dirty="0">
+                <a:hlinkClick r:id="rId3"/>
+              </a:rPr>
+              <a:t>http://www.biostars.org/p/62728</a:t>
+            </a:r>
+            <a:r>
+              <a:rPr lang="en-US" dirty="0" smtClean="0">
+                <a:hlinkClick r:id="rId3"/>
+              </a:rPr>
+              <a:t>/</a:t>
+            </a:r>
+            <a:endParaRPr lang="en-US" dirty="0" smtClean="0"/>
+          </a:p>
+          <a:p>
+            <a:pPr>
+              <a:defRPr/>
+            </a:pPr>
+            <a:r>
+              <a:rPr lang="en-US" dirty="0"/>
+              <a:t>Alternative splicing </a:t>
+            </a:r>
+            <a:r>
+              <a:rPr lang="en-US" dirty="0" smtClean="0"/>
+              <a:t>detection</a:t>
+            </a:r>
+          </a:p>
+          <a:p>
+            <a:pPr lvl="1">
+              <a:defRPr/>
+            </a:pPr>
+            <a:r>
+              <a:rPr lang="en-US" dirty="0">
+                <a:hlinkClick r:id="rId4"/>
+              </a:rPr>
+              <a:t>http://www.biostars.org/p/65617</a:t>
+            </a:r>
+            <a:r>
+              <a:rPr lang="en-US" dirty="0" smtClean="0">
+                <a:hlinkClick r:id="rId4"/>
+              </a:rPr>
+              <a:t>/</a:t>
+            </a:r>
+            <a:endParaRPr lang="en-US" dirty="0" smtClean="0"/>
+          </a:p>
+          <a:p>
+            <a:pPr lvl="1">
+              <a:defRPr/>
+            </a:pPr>
+            <a:r>
+              <a:rPr lang="en-US" dirty="0">
+                <a:hlinkClick r:id="rId5"/>
+              </a:rPr>
+              <a:t>http://www.biostars.org/p/11695</a:t>
+            </a:r>
+            <a:r>
+              <a:rPr lang="en-US" dirty="0" smtClean="0">
+                <a:hlinkClick r:id="rId5"/>
+              </a:rPr>
+              <a:t>/</a:t>
+            </a:r>
+            <a:endParaRPr lang="en-US" dirty="0" smtClean="0"/>
+          </a:p>
+          <a:p>
+            <a:pPr>
+              <a:defRPr/>
+            </a:pPr>
+            <a:r>
+              <a:rPr lang="en-US" dirty="0"/>
+              <a:t>Identifying genes that express different isoforms in cancer </a:t>
+            </a:r>
+            <a:r>
+              <a:rPr lang="en-US" dirty="0" err="1"/>
+              <a:t>vs</a:t>
+            </a:r>
+            <a:r>
+              <a:rPr lang="en-US" dirty="0"/>
+              <a:t> normal RNA-seq data</a:t>
+            </a:r>
+          </a:p>
+          <a:p>
+            <a:pPr lvl="1">
+              <a:defRPr/>
+            </a:pPr>
+            <a:r>
+              <a:rPr lang="en-US" dirty="0">
+                <a:hlinkClick r:id="rId6"/>
+              </a:rPr>
+              <a:t>http://www.biostars.org/p/50365</a:t>
+            </a:r>
+            <a:r>
+              <a:rPr lang="en-US" dirty="0" smtClean="0">
+                <a:hlinkClick r:id="rId6"/>
+              </a:rPr>
+              <a:t>/</a:t>
+            </a:r>
+            <a:endParaRPr lang="en-US" dirty="0" smtClean="0"/>
+          </a:p>
+          <a:p>
+            <a:pPr>
+              <a:defRPr/>
+            </a:pPr>
+            <a:r>
+              <a:rPr lang="en-US" dirty="0" smtClean="0"/>
+              <a:t>Cufflinks </a:t>
+            </a:r>
+            <a:r>
+              <a:rPr lang="en-US" dirty="0"/>
+              <a:t>/ </a:t>
+            </a:r>
+            <a:r>
+              <a:rPr lang="en-US" dirty="0" err="1"/>
+              <a:t>Cuffdiff</a:t>
+            </a:r>
+            <a:r>
+              <a:rPr lang="en-US" dirty="0"/>
+              <a:t> Output - How are tests different</a:t>
+            </a:r>
+            <a:r>
+              <a:rPr lang="en-US" dirty="0" smtClean="0"/>
+              <a:t>?</a:t>
+            </a:r>
+          </a:p>
+          <a:p>
+            <a:pPr lvl="1">
+              <a:defRPr/>
+            </a:pPr>
+            <a:r>
+              <a:rPr lang="en-US" dirty="0">
+                <a:hlinkClick r:id="rId7"/>
+              </a:rPr>
+              <a:t>http://www.biostars.org/p/13525</a:t>
+            </a:r>
+            <a:r>
+              <a:rPr lang="en-US" dirty="0" smtClean="0">
+                <a:hlinkClick r:id="rId7"/>
+              </a:rPr>
+              <a:t>/</a:t>
+            </a:r>
+            <a:endParaRPr lang="en-US" dirty="0" smtClean="0"/>
+          </a:p>
+          <a:p>
+            <a:pPr>
+              <a:defRPr/>
+            </a:pPr>
+            <a:r>
+              <a:rPr lang="en-US" dirty="0" smtClean="0"/>
+              <a:t>Visualization </a:t>
+            </a:r>
+            <a:r>
+              <a:rPr lang="en-US" dirty="0"/>
+              <a:t>of </a:t>
+            </a:r>
+            <a:r>
+              <a:rPr lang="en-US" dirty="0" smtClean="0"/>
+              <a:t>alternative </a:t>
+            </a:r>
+            <a:r>
+              <a:rPr lang="en-US" dirty="0"/>
+              <a:t>splicing events using RNA-seq </a:t>
+            </a:r>
+            <a:r>
+              <a:rPr lang="en-US" dirty="0" smtClean="0"/>
+              <a:t>data</a:t>
+            </a:r>
+          </a:p>
+          <a:p>
+            <a:pPr lvl="1">
+              <a:defRPr/>
+            </a:pPr>
+            <a:r>
+              <a:rPr lang="en-US" dirty="0">
+                <a:hlinkClick r:id="rId8"/>
+              </a:rPr>
+              <a:t>http://www.biostars.org/p/8979</a:t>
+            </a:r>
+            <a:r>
+              <a:rPr lang="en-US" dirty="0" smtClean="0">
+                <a:hlinkClick r:id="rId8"/>
+              </a:rPr>
+              <a:t>/</a:t>
+            </a:r>
+            <a:endParaRPr lang="en-US" dirty="0" smtClean="0"/>
+          </a:p>
+        </p:txBody>
+      </p:sp>
+    </p:spTree>
+    <p:extLst>
+      <p:ext uri="{BB962C8B-B14F-4D97-AF65-F5344CB8AC3E}">
+        <p14:creationId xmlns:p14="http://schemas.microsoft.com/office/powerpoint/2010/main" val="2203085710"/>
+      </p:ext>
+    </p:extLst>
+  </p:cSld>
+  <p:clrMapOvr>
+    <a:masterClrMapping/>
+  </p:clrMapOvr>
+  <p:timing>
+    <p:tnLst>
+      <p:par>
+        <p:cTn xmlns:p14="http://schemas.microsoft.com/office/powerpoint/2010/main" id="1" dur="indefinite" restart="never" nodeType="tmRoot"/>
+      </p:par>
+    </p:tnLst>
+  </p:timing>
+</p:sld>
+</file>
+
+<file path=ppt/slides/slide11.xml><?xml version="1.0" encoding="utf-8"?>
+<p:sld xmlns:a="http://schemas.openxmlformats.org/drawingml/2006/main" xmlns:r="http://schemas.openxmlformats.org/officeDocument/2006/relationships" xmlns:p="http://schemas.openxmlformats.org/presentationml/2006/main">
+  <p:cSld>
+    <p:spTree>
+      <p:nvGrpSpPr>
+        <p:cNvPr id="1" name=""/>
+        <p:cNvGrpSpPr/>
+        <p:nvPr/>
+      </p:nvGrpSpPr>
+      <p:grpSpPr>
+        <a:xfrm>
+          <a:off x="0" y="0"/>
+          <a:ext cx="0" cy="0"/>
+          <a:chOff x="0" y="0"/>
+          <a:chExt cx="0" cy="0"/>
+        </a:xfrm>
+      </p:grpSpPr>
+      <p:sp>
+        <p:nvSpPr>
+          <p:cNvPr id="20481" name="Title 1"/>
+          <p:cNvSpPr>
+            <a:spLocks noGrp="1"/>
+          </p:cNvSpPr>
+          <p:nvPr>
+            <p:ph type="title"/>
+          </p:nvPr>
+        </p:nvSpPr>
+        <p:spPr>
+          <a:xfrm>
+            <a:off x="152400" y="-26988"/>
+            <a:ext cx="8839200" cy="1143001"/>
+          </a:xfrm>
+        </p:spPr>
+        <p:txBody>
+          <a:bodyPr/>
+          <a:lstStyle/>
+          <a:p>
+            <a:r>
+              <a:rPr lang="en-US">
+                <a:latin typeface="Calibri" charset="0"/>
+                <a:ea typeface="ＭＳ Ｐゴシック" charset="0"/>
+              </a:rPr>
+              <a:t>Sequencing methods for studying alternative isoforms</a:t>
+            </a:r>
+          </a:p>
+        </p:txBody>
+      </p:sp>
+      <p:pic>
+        <p:nvPicPr>
+          <p:cNvPr id="20482" name="Content Placeholder 3" descr="Figure3.png"/>
+          <p:cNvPicPr>
+            <a:picLocks noGrp="1" noChangeAspect="1"/>
+          </p:cNvPicPr>
+          <p:nvPr>
+            <p:ph idx="1"/>
+          </p:nvPr>
+        </p:nvPicPr>
+        <p:blipFill>
+          <a:blip r:embed="rId2">
+            <a:extLst>
+              <a:ext uri="{28A0092B-C50C-407E-A947-70E740481C1C}">
+                <a14:useLocalDpi xmlns:a14="http://schemas.microsoft.com/office/drawing/2010/main" val="0"/>
+              </a:ext>
+            </a:extLst>
+          </a:blip>
+          <a:srcRect l="-2106" r="-1291"/>
+          <a:stretch>
+            <a:fillRect/>
+          </a:stretch>
+        </p:blipFill>
+        <p:spPr>
+          <a:xfrm>
+            <a:off x="2411413" y="1268413"/>
+            <a:ext cx="4000500" cy="4911725"/>
+          </a:xfrm>
+        </p:spPr>
+      </p:pic>
+    </p:spTree>
+    <p:extLst>
+      <p:ext uri="{BB962C8B-B14F-4D97-AF65-F5344CB8AC3E}">
+        <p14:creationId xmlns:p14="http://schemas.microsoft.com/office/powerpoint/2010/main" val="2940661130"/>
+      </p:ext>
+    </p:extLst>
+  </p:cSld>
+  <p:clrMapOvr>
+    <a:masterClrMapping/>
+  </p:clrMapOvr>
+</p:sld>
+</file>
+
+<file path=ppt/slides/slide12.xml><?xml version="1.0" encoding="utf-8"?>
+<p:sld xmlns:a="http://schemas.openxmlformats.org/drawingml/2006/main" xmlns:r="http://schemas.openxmlformats.org/officeDocument/2006/relationships" xmlns:p="http://schemas.openxmlformats.org/presentationml/2006/main">
+  <p:cSld>
+    <p:spTree>
+      <p:nvGrpSpPr>
+        <p:cNvPr id="1" name=""/>
+        <p:cNvGrpSpPr/>
+        <p:nvPr/>
+      </p:nvGrpSpPr>
+      <p:grpSpPr>
+        <a:xfrm>
+          <a:off x="0" y="0"/>
+          <a:ext cx="0" cy="0"/>
+          <a:chOff x="0" y="0"/>
+          <a:chExt cx="0" cy="0"/>
+        </a:xfrm>
+      </p:grpSpPr>
+      <p:sp>
+        <p:nvSpPr>
+          <p:cNvPr id="23553" name="Content Placeholder 3"/>
+          <p:cNvSpPr>
+            <a:spLocks noGrp="1"/>
+          </p:cNvSpPr>
+          <p:nvPr>
+            <p:ph idx="1"/>
+          </p:nvPr>
+        </p:nvSpPr>
+        <p:spPr>
+          <a:xfrm>
+            <a:off x="152400" y="2667000"/>
+            <a:ext cx="8839200" cy="1600200"/>
+          </a:xfrm>
+        </p:spPr>
+        <p:txBody>
+          <a:bodyPr/>
+          <a:lstStyle/>
+          <a:p>
+            <a:pPr algn="ctr">
+              <a:buFont typeface="Arial" charset="0"/>
+              <a:buNone/>
+            </a:pPr>
+            <a:r>
+              <a:rPr lang="en-US" sz="4400" b="1" dirty="0">
+                <a:latin typeface="Calibri" charset="0"/>
+                <a:ea typeface="ＭＳ Ｐゴシック" charset="0"/>
+              </a:rPr>
+              <a:t>Introduction to tutorial </a:t>
+            </a:r>
+          </a:p>
+          <a:p>
+            <a:pPr algn="ctr">
+              <a:buFont typeface="Arial" charset="0"/>
+              <a:buNone/>
+            </a:pPr>
+            <a:r>
+              <a:rPr lang="en-US" sz="4400" b="1" dirty="0">
+                <a:latin typeface="Calibri" charset="0"/>
+                <a:ea typeface="ＭＳ Ｐゴシック" charset="0"/>
+              </a:rPr>
+              <a:t>(Module </a:t>
+            </a:r>
+            <a:r>
+              <a:rPr lang="en-US" sz="4400" b="1" dirty="0" smtClean="0">
+                <a:latin typeface="Calibri" charset="0"/>
+                <a:ea typeface="ＭＳ Ｐゴシック" charset="0"/>
+              </a:rPr>
+              <a:t>4)</a:t>
+            </a:r>
+            <a:endParaRPr lang="en-US" sz="4400" b="1" dirty="0">
+              <a:latin typeface="Calibri" charset="0"/>
+              <a:ea typeface="ＭＳ Ｐゴシック" charset="0"/>
+            </a:endParaRPr>
+          </a:p>
+        </p:txBody>
+      </p:sp>
+    </p:spTree>
+    <p:extLst>
+      <p:ext uri="{BB962C8B-B14F-4D97-AF65-F5344CB8AC3E}">
+        <p14:creationId xmlns:p14="http://schemas.microsoft.com/office/powerpoint/2010/main" val="1560563928"/>
+      </p:ext>
+    </p:extLst>
+  </p:cSld>
+  <p:clrMapOvr>
+    <a:masterClrMapping/>
+  </p:clrMapOvr>
+  <p:timing>
+    <p:tnLst>
+      <p:par>
+        <p:cTn xmlns:p14="http://schemas.microsoft.com/office/powerpoint/2010/main" id="1" dur="indefinite" restart="never" nodeType="tmRoot"/>
+      </p:par>
+    </p:tnLst>
+  </p:timing>
+</p:sld>
+</file>
+
+<file path=ppt/slides/slide13.xml><?xml version="1.0" encoding="utf-8"?>
+<p:sld xmlns:a="http://schemas.openxmlformats.org/drawingml/2006/main" xmlns:r="http://schemas.openxmlformats.org/officeDocument/2006/relationships" xmlns:p="http://schemas.openxmlformats.org/presentationml/2006/main">
+  <p:cSld>
+    <p:spTree>
+      <p:nvGrpSpPr>
+        <p:cNvPr id="1" name=""/>
+        <p:cNvGrpSpPr/>
+        <p:nvPr/>
+      </p:nvGrpSpPr>
+      <p:grpSpPr>
+        <a:xfrm>
+          <a:off x="0" y="0"/>
+          <a:ext cx="0" cy="0"/>
+          <a:chOff x="0" y="0"/>
+          <a:chExt cx="0" cy="0"/>
+        </a:xfrm>
+      </p:grpSpPr>
+      <p:sp>
+        <p:nvSpPr>
+          <p:cNvPr id="25603" name="Title 4"/>
+          <p:cNvSpPr>
+            <a:spLocks noGrp="1"/>
+          </p:cNvSpPr>
+          <p:nvPr>
+            <p:ph type="title"/>
+          </p:nvPr>
+        </p:nvSpPr>
+        <p:spPr>
+          <a:xfrm>
+            <a:off x="152400" y="0"/>
+            <a:ext cx="8839200" cy="1143000"/>
+          </a:xfrm>
+        </p:spPr>
+        <p:txBody>
+          <a:bodyPr/>
+          <a:lstStyle/>
+          <a:p>
+            <a:r>
+              <a:rPr lang="en-US">
+                <a:latin typeface="Calibri" charset="0"/>
+                <a:ea typeface="ＭＳ Ｐゴシック" charset="0"/>
+              </a:rPr>
+              <a:t>Bowtie/Tophat/Cufflinks/Cuffdiff </a:t>
+            </a:r>
+            <a:br>
+              <a:rPr lang="en-US">
+                <a:latin typeface="Calibri" charset="0"/>
+                <a:ea typeface="ＭＳ Ｐゴシック" charset="0"/>
+              </a:rPr>
+            </a:br>
+            <a:r>
+              <a:rPr lang="en-US">
+                <a:latin typeface="Calibri" charset="0"/>
+                <a:ea typeface="ＭＳ Ｐゴシック" charset="0"/>
+              </a:rPr>
+              <a:t>RNA-seq Pipeline</a:t>
+            </a:r>
+          </a:p>
+        </p:txBody>
+      </p:sp>
+      <p:pic>
+        <p:nvPicPr>
+          <p:cNvPr id="2" name="Picture 1" descr="RNA-seq_Flowchart5.png"/>
+          <p:cNvPicPr>
+            <a:picLocks noChangeAspect="1"/>
+          </p:cNvPicPr>
+          <p:nvPr/>
+        </p:nvPicPr>
+        <p:blipFill>
+          <a:blip r:embed="rId2">
+            <a:extLst>
+              <a:ext uri="{28A0092B-C50C-407E-A947-70E740481C1C}">
+                <a14:useLocalDpi xmlns:a14="http://schemas.microsoft.com/office/drawing/2010/main" val="0"/>
+              </a:ext>
+            </a:extLst>
+          </a:blip>
+          <a:stretch>
+            <a:fillRect/>
+          </a:stretch>
+        </p:blipFill>
+        <p:spPr>
+          <a:xfrm>
+            <a:off x="267784" y="1700808"/>
+            <a:ext cx="8552688" cy="3992880"/>
+          </a:xfrm>
+          <a:prstGeom prst="rect">
+            <a:avLst/>
+          </a:prstGeom>
+        </p:spPr>
+      </p:pic>
+    </p:spTree>
+    <p:extLst>
+      <p:ext uri="{BB962C8B-B14F-4D97-AF65-F5344CB8AC3E}">
+        <p14:creationId xmlns:p14="http://schemas.microsoft.com/office/powerpoint/2010/main" val="2987064020"/>
+      </p:ext>
+    </p:extLst>
+  </p:cSld>
+  <p:clrMapOvr>
+    <a:masterClrMapping/>
+  </p:clrMapOvr>
+  <p:timing>
+    <p:tnLst>
+      <p:par>
+        <p:cTn xmlns:p14="http://schemas.microsoft.com/office/powerpoint/2010/main" id="1" dur="indefinite" restart="never" nodeType="tmRoot"/>
+      </p:par>
+    </p:tnLst>
+  </p:timing>
+</p:sld>
+</file>
+
+<file path=ppt/slides/slide14.xml><?xml version="1.0" encoding="utf-8"?>
+<p:sld xmlns:a="http://schemas.openxmlformats.org/drawingml/2006/main" xmlns:r="http://schemas.openxmlformats.org/officeDocument/2006/relationships" xmlns:p="http://schemas.openxmlformats.org/presentationml/2006/main">
+  <p:cSld>
+    <p:spTree>
+      <p:nvGrpSpPr>
+        <p:cNvPr id="1" name=""/>
+        <p:cNvGrpSpPr/>
+        <p:nvPr/>
+      </p:nvGrpSpPr>
+      <p:grpSpPr>
+        <a:xfrm>
+          <a:off x="0" y="0"/>
+          <a:ext cx="0" cy="0"/>
+          <a:chOff x="0" y="0"/>
+          <a:chExt cx="0" cy="0"/>
+        </a:xfrm>
+      </p:grpSpPr>
+      <p:sp>
+        <p:nvSpPr>
+          <p:cNvPr id="11265" name="Content Placeholder 3"/>
+          <p:cNvSpPr>
+            <a:spLocks noGrp="1"/>
+          </p:cNvSpPr>
+          <p:nvPr>
+            <p:ph idx="1"/>
+          </p:nvPr>
+        </p:nvSpPr>
+        <p:spPr>
+          <a:xfrm>
+            <a:off x="152400" y="2667000"/>
+            <a:ext cx="8839200" cy="1600200"/>
+          </a:xfrm>
+        </p:spPr>
+        <p:txBody>
+          <a:bodyPr/>
+          <a:lstStyle/>
+          <a:p>
+            <a:pPr algn="ctr">
+              <a:buFont typeface="Arial" charset="0"/>
+              <a:buNone/>
+            </a:pPr>
+            <a:r>
+              <a:rPr lang="en-US" sz="4400">
+                <a:latin typeface="Calibri" charset="0"/>
+                <a:ea typeface="ＭＳ Ｐゴシック" charset="0"/>
+              </a:rPr>
+              <a:t>Break</a:t>
             </a:r>
           </a:p>
         </p:txBody>
@@ -3951,14 +4892,14 @@
           </a:ln>
           <a:extLst>
             <a:ext uri="{909E8E84-426E-40dd-AFC4-6F175D3DCCD1}">
-              <a14:hiddenFill xmlns:a14="http://schemas.microsoft.com/office/drawing/2010/main" xmlns="">
+              <a14:hiddenFill xmlns:a14="http://schemas.microsoft.com/office/drawing/2010/main">
                 <a:solidFill>
                   <a:srgbClr val="FFFFFF"/>
                 </a:solidFill>
               </a14:hiddenFill>
             </a:ext>
             <a:ext uri="{91240B29-F687-4f45-9708-019B960494DF}">
-              <a14:hiddenLine xmlns:a14="http://schemas.microsoft.com/office/drawing/2010/main" xmlns="" w="9525">
+              <a14:hiddenLine xmlns:a14="http://schemas.microsoft.com/office/drawing/2010/main" w="9525">
                 <a:solidFill>
                   <a:srgbClr val="000000"/>
                 </a:solidFill>
@@ -4005,14 +4946,14 @@
           </a:ln>
           <a:extLst>
             <a:ext uri="{909E8E84-426E-40dd-AFC4-6F175D3DCCD1}">
-              <a14:hiddenFill xmlns:a14="http://schemas.microsoft.com/office/drawing/2010/main" xmlns="">
+              <a14:hiddenFill xmlns:a14="http://schemas.microsoft.com/office/drawing/2010/main">
                 <a:solidFill>
                   <a:srgbClr val="FFFFFF"/>
                 </a:solidFill>
               </a14:hiddenFill>
             </a:ext>
             <a:ext uri="{91240B29-F687-4f45-9708-019B960494DF}">
-              <a14:hiddenLine xmlns:a14="http://schemas.microsoft.com/office/drawing/2010/main" xmlns="" w="9525">
+              <a14:hiddenLine xmlns:a14="http://schemas.microsoft.com/office/drawing/2010/main" w="9525">
                 <a:solidFill>
                   <a:srgbClr val="000000"/>
                 </a:solidFill>
@@ -4046,14 +4987,14 @@
           </a:ln>
           <a:extLst>
             <a:ext uri="{909E8E84-426E-40dd-AFC4-6F175D3DCCD1}">
-              <a14:hiddenFill xmlns:a14="http://schemas.microsoft.com/office/drawing/2010/main" xmlns="">
+              <a14:hiddenFill xmlns:a14="http://schemas.microsoft.com/office/drawing/2010/main">
                 <a:solidFill>
                   <a:srgbClr val="FFFFFF"/>
                 </a:solidFill>
               </a14:hiddenFill>
             </a:ext>
             <a:ext uri="{91240B29-F687-4f45-9708-019B960494DF}">
-              <a14:hiddenLine xmlns:a14="http://schemas.microsoft.com/office/drawing/2010/main" xmlns="" w="9525">
+              <a14:hiddenLine xmlns:a14="http://schemas.microsoft.com/office/drawing/2010/main" w="9525">
                 <a:solidFill>
                   <a:srgbClr val="000000"/>
                 </a:solidFill>
@@ -4187,7 +5128,7 @@
               <a:t>RNA-</a:t>
             </a:r>
             <a:r>
-              <a:rPr lang="en-US" sz="2000" dirty="0" err="1">
+              <a:rPr lang="en-US" sz="2000" dirty="0">
                 <a:solidFill>
                   <a:schemeClr val="bg1"/>
                 </a:solidFill>
@@ -4197,26 +5138,26 @@
               <a:t>S</a:t>
             </a:r>
             <a:r>
-              <a:rPr lang="en-US" sz="2000" dirty="0" err="1" smtClean="0">
+              <a:rPr lang="en-US" sz="2000" dirty="0" smtClean="0">
                 <a:solidFill>
                   <a:schemeClr val="bg1"/>
                 </a:solidFill>
                 <a:latin typeface="Calibri" charset="0"/>
                 <a:cs typeface="Segoe UI" charset="0"/>
               </a:rPr>
-              <a:t>eq</a:t>
-            </a:r>
-            <a:r>
-              <a:rPr lang="en-US" sz="2000" dirty="0" smtClean="0">
+              <a:t>eq Module </a:t>
+            </a:r>
+            <a:r>
+              <a:rPr lang="en-US" sz="2000" dirty="0">
                 <a:solidFill>
                   <a:schemeClr val="bg1"/>
                 </a:solidFill>
                 <a:latin typeface="Calibri" charset="0"/>
                 <a:cs typeface="Segoe UI" charset="0"/>
               </a:rPr>
-              <a:t> Module </a:t>
-            </a:r>
-            <a:r>
+              <a:t>4</a:t>
+            </a:r>
+            <a:br>
               <a:rPr lang="en-US" sz="2000" dirty="0">
                 <a:solidFill>
                   <a:schemeClr val="bg1"/>
@@ -4224,17 +5165,17 @@
                 <a:latin typeface="Calibri" charset="0"/>
                 <a:cs typeface="Segoe UI" charset="0"/>
               </a:rPr>
-              <a:t>1</a:t>
-            </a:r>
-            <a:br>
-              <a:rPr lang="en-US" sz="2000" dirty="0">
+            </a:br>
+            <a:r>
+              <a:rPr lang="en-US" sz="2000" dirty="0" smtClean="0">
                 <a:solidFill>
                   <a:schemeClr val="bg1"/>
                 </a:solidFill>
                 <a:latin typeface="Calibri" charset="0"/>
                 <a:cs typeface="Segoe UI" charset="0"/>
               </a:rPr>
-            </a:br>
+              <a:t>Discovery </a:t>
+            </a:r>
             <a:r>
               <a:rPr lang="en-US" sz="2000" dirty="0">
                 <a:solidFill>
@@ -4243,7 +5184,7 @@
                 <a:latin typeface="Calibri" charset="0"/>
                 <a:cs typeface="Segoe UI" charset="0"/>
               </a:rPr>
-              <a:t>Introduction to RNA sequencing (lecture)</a:t>
+              <a:t>and Alternative Expression  (lecture)</a:t>
             </a:r>
             <a:endParaRPr lang="en-US" sz="1800" b="1" dirty="0">
               <a:solidFill>
@@ -4297,21 +5238,8 @@
                 <a:ea typeface="+mj-ea"/>
                 <a:cs typeface="Calibri"/>
               </a:rPr>
-              <a:t>Malachi Griffith, Obi Griffith, Jason </a:t>
-            </a:r>
-            <a:r>
-              <a:rPr lang="en-US" sz="1600" dirty="0" smtClean="0">
-                <a:latin typeface="Calibri"/>
-                <a:ea typeface="+mj-ea"/>
-                <a:cs typeface="Calibri"/>
-              </a:rPr>
-              <a:t>Walker, Alex Wagner</a:t>
-            </a:r>
-            <a:endParaRPr lang="en-US" sz="1600" dirty="0" smtClean="0">
-              <a:latin typeface="Calibri"/>
-              <a:ea typeface="+mj-ea"/>
-              <a:cs typeface="Calibri"/>
-            </a:endParaRPr>
+              <a:t>Malachi Griffith, Obi Griffith, Jason Walker, Alex Wagner</a:t>
+            </a:r>
           </a:p>
           <a:p>
             <a:pPr fontAlgn="auto">
@@ -4404,18 +5332,6 @@
               </a:rPr>
               <a:t>20, 2016</a:t>
             </a:r>
-            <a:endParaRPr lang="en-US" sz="1400" dirty="0" smtClean="0">
-              <a:ln w="1270">
-                <a:solidFill>
-                  <a:schemeClr val="tx1">
-                    <a:alpha val="38000"/>
-                  </a:schemeClr>
-                </a:solidFill>
-              </a:ln>
-              <a:latin typeface="Calibri"/>
-              <a:ea typeface="+mn-ea"/>
-              <a:cs typeface="Calibri"/>
-            </a:endParaRPr>
           </a:p>
         </p:txBody>
       </p:sp>
@@ -4432,7 +5348,7 @@
   <p:timing>
     <p:tnLst>
       <p:par>
-        <p:cTn id="1" dur="indefinite" restart="never" nodeType="tmRoot"/>
+        <p:cTn xmlns:p14="http://schemas.microsoft.com/office/powerpoint/2010/main" id="1" dur="indefinite" restart="never" nodeType="tmRoot"/>
       </p:par>
     </p:tnLst>
   </p:timing>
@@ -4458,7 +5374,37 @@
       </p:grpSpPr>
       <p:sp>
         <p:nvSpPr>
-          <p:cNvPr id="11265" name="Content Placeholder 3"/>
+          <p:cNvPr id="12289" name="Title 1"/>
+          <p:cNvSpPr>
+            <a:spLocks noGrp="1"/>
+          </p:cNvSpPr>
+          <p:nvPr>
+            <p:ph type="title"/>
+          </p:nvPr>
+        </p:nvSpPr>
+        <p:spPr>
+          <a:xfrm>
+            <a:off x="152400" y="-26988"/>
+            <a:ext cx="8839200" cy="1143001"/>
+          </a:xfrm>
+        </p:spPr>
+        <p:txBody>
+          <a:bodyPr/>
+          <a:lstStyle/>
+          <a:p>
+            <a:r>
+              <a:rPr lang="en-US">
+                <a:latin typeface="Calibri" charset="0"/>
+                <a:ea typeface="ＭＳ Ｐゴシック" charset="0"/>
+              </a:rPr>
+              <a:t>Learning objectives of the course</a:t>
+            </a:r>
+          </a:p>
+        </p:txBody>
+      </p:sp>
+      <p:sp>
+        <p:nvSpPr>
+          <p:cNvPr id="3" name="Content Placeholder 2"/>
           <p:cNvSpPr>
             <a:spLocks noGrp="1"/>
           </p:cNvSpPr>
@@ -4466,31 +5412,1232 @@
             <p:ph idx="1"/>
           </p:nvPr>
         </p:nvSpPr>
+        <p:spPr/>
+        <p:txBody>
+          <a:bodyPr>
+            <a:normAutofit lnSpcReduction="10000"/>
+          </a:bodyPr>
+          <a:lstStyle/>
+          <a:p>
+            <a:pPr>
+              <a:defRPr/>
+            </a:pPr>
+            <a:r>
+              <a:rPr lang="en-US" dirty="0" smtClean="0"/>
+              <a:t>Module </a:t>
+            </a:r>
+            <a:r>
+              <a:rPr lang="en-US" dirty="0" smtClean="0"/>
+              <a:t>1: </a:t>
+            </a:r>
+            <a:r>
+              <a:rPr lang="en-US" dirty="0"/>
+              <a:t>Introduction to RNA </a:t>
+            </a:r>
+            <a:r>
+              <a:rPr lang="en-US" dirty="0" smtClean="0"/>
+              <a:t>Sequencing</a:t>
+            </a:r>
+            <a:endParaRPr lang="en-US" dirty="0"/>
+          </a:p>
+          <a:p>
+            <a:pPr>
+              <a:defRPr/>
+            </a:pPr>
+            <a:r>
+              <a:rPr lang="en-US" dirty="0"/>
+              <a:t>Module </a:t>
+            </a:r>
+            <a:r>
+              <a:rPr lang="en-US" dirty="0" smtClean="0"/>
+              <a:t>2: </a:t>
+            </a:r>
+            <a:r>
+              <a:rPr lang="en-US" dirty="0"/>
+              <a:t>A</a:t>
+            </a:r>
+            <a:r>
+              <a:rPr lang="en-US" dirty="0" smtClean="0"/>
+              <a:t>lignment </a:t>
+            </a:r>
+            <a:r>
+              <a:rPr lang="en-US" dirty="0"/>
+              <a:t>and </a:t>
+            </a:r>
+            <a:r>
+              <a:rPr lang="en-US" dirty="0" smtClean="0"/>
+              <a:t>Visualization</a:t>
+            </a:r>
+            <a:endParaRPr lang="en-US" dirty="0"/>
+          </a:p>
+          <a:p>
+            <a:pPr>
+              <a:defRPr/>
+            </a:pPr>
+            <a:r>
+              <a:rPr lang="en-US" dirty="0"/>
+              <a:t>Module </a:t>
+            </a:r>
+            <a:r>
+              <a:rPr lang="en-US" dirty="0" smtClean="0"/>
+              <a:t>3: </a:t>
+            </a:r>
+            <a:r>
+              <a:rPr lang="en-US" dirty="0"/>
+              <a:t>Expression and Differential Expression</a:t>
+            </a:r>
+          </a:p>
+          <a:p>
+            <a:pPr>
+              <a:defRPr/>
+            </a:pPr>
+            <a:r>
+              <a:rPr lang="en-US" b="1" dirty="0"/>
+              <a:t>Module </a:t>
+            </a:r>
+            <a:r>
+              <a:rPr lang="en-US" b="1" dirty="0" smtClean="0"/>
+              <a:t>4: </a:t>
+            </a:r>
+            <a:r>
+              <a:rPr lang="en-US" b="1" dirty="0"/>
+              <a:t>Isoform </a:t>
+            </a:r>
+            <a:r>
+              <a:rPr lang="en-US" b="1" dirty="0" smtClean="0"/>
+              <a:t>Discovery </a:t>
+            </a:r>
+            <a:r>
+              <a:rPr lang="en-US" b="1" dirty="0"/>
+              <a:t>and </a:t>
+            </a:r>
+            <a:r>
+              <a:rPr lang="en-US" b="1" dirty="0" smtClean="0"/>
+              <a:t>Alternative </a:t>
+            </a:r>
+            <a:r>
+              <a:rPr lang="en-US" b="1" dirty="0"/>
+              <a:t>E</a:t>
+            </a:r>
+            <a:r>
+              <a:rPr lang="en-US" b="1" dirty="0" smtClean="0"/>
+              <a:t>xpression</a:t>
+            </a:r>
+            <a:endParaRPr lang="en-US" b="1" dirty="0"/>
+          </a:p>
+          <a:p>
+            <a:pPr marL="0" indent="0">
+              <a:buFont typeface="Arial" charset="0"/>
+              <a:buNone/>
+              <a:defRPr/>
+            </a:pPr>
+            <a:endParaRPr lang="en-US" dirty="0"/>
+          </a:p>
+          <a:p>
+            <a:pPr>
+              <a:defRPr/>
+            </a:pPr>
+            <a:r>
+              <a:rPr lang="en-US" dirty="0" smtClean="0"/>
+              <a:t>Tutorials</a:t>
+            </a:r>
+          </a:p>
+          <a:p>
+            <a:pPr lvl="1">
+              <a:defRPr/>
+            </a:pPr>
+            <a:r>
+              <a:rPr lang="en-US" dirty="0" smtClean="0">
+                <a:latin typeface="Calibri" charset="0"/>
+                <a:ea typeface="ＭＳ Ｐゴシック" charset="0"/>
+              </a:rPr>
+              <a:t>Provide </a:t>
+            </a:r>
+            <a:r>
+              <a:rPr lang="en-US" dirty="0">
+                <a:latin typeface="Calibri" charset="0"/>
+                <a:ea typeface="ＭＳ Ｐゴシック" charset="0"/>
+              </a:rPr>
+              <a:t>a working example of an RNA-</a:t>
+            </a:r>
+            <a:r>
+              <a:rPr lang="en-US" dirty="0" err="1">
+                <a:latin typeface="Calibri" charset="0"/>
+                <a:ea typeface="ＭＳ Ｐゴシック" charset="0"/>
+              </a:rPr>
+              <a:t>seq</a:t>
+            </a:r>
+            <a:r>
+              <a:rPr lang="en-US" dirty="0">
+                <a:latin typeface="Calibri" charset="0"/>
+                <a:ea typeface="ＭＳ Ｐゴシック" charset="0"/>
+              </a:rPr>
+              <a:t> analysis </a:t>
+            </a:r>
+            <a:r>
+              <a:rPr lang="en-US" dirty="0" smtClean="0">
+                <a:latin typeface="Calibri" charset="0"/>
+                <a:ea typeface="ＭＳ Ｐゴシック" charset="0"/>
+              </a:rPr>
+              <a:t>pipeline</a:t>
+            </a:r>
+          </a:p>
+          <a:p>
+            <a:pPr lvl="1">
+              <a:defRPr/>
+            </a:pPr>
+            <a:r>
+              <a:rPr lang="en-US" dirty="0">
+                <a:latin typeface="Calibri" charset="0"/>
+                <a:ea typeface="ＭＳ Ｐゴシック" charset="0"/>
+              </a:rPr>
+              <a:t>Run in a </a:t>
+            </a:r>
+            <a:r>
+              <a:rPr lang="ja-JP" altLang="en-US" dirty="0">
+                <a:latin typeface="Calibri" charset="0"/>
+                <a:ea typeface="ＭＳ Ｐゴシック" charset="0"/>
+              </a:rPr>
+              <a:t>‘</a:t>
+            </a:r>
+            <a:r>
+              <a:rPr lang="en-US" altLang="ja-JP" dirty="0">
+                <a:latin typeface="Calibri" charset="0"/>
+                <a:ea typeface="ＭＳ Ｐゴシック" charset="0"/>
+              </a:rPr>
+              <a:t>reasonable</a:t>
+            </a:r>
+            <a:r>
+              <a:rPr lang="ja-JP" altLang="en-US" dirty="0">
+                <a:latin typeface="Calibri" charset="0"/>
+                <a:ea typeface="ＭＳ Ｐゴシック" charset="0"/>
+              </a:rPr>
+              <a:t>’</a:t>
+            </a:r>
+            <a:r>
+              <a:rPr lang="en-US" altLang="ja-JP" dirty="0">
+                <a:latin typeface="Calibri" charset="0"/>
+                <a:ea typeface="ＭＳ Ｐゴシック" charset="0"/>
+              </a:rPr>
+              <a:t> amount of time with modest computer </a:t>
+            </a:r>
+            <a:r>
+              <a:rPr lang="en-US" altLang="ja-JP" dirty="0" smtClean="0">
+                <a:latin typeface="Calibri" charset="0"/>
+                <a:ea typeface="ＭＳ Ｐゴシック" charset="0"/>
+              </a:rPr>
+              <a:t>resources</a:t>
+            </a:r>
+          </a:p>
+          <a:p>
+            <a:pPr lvl="1">
+              <a:defRPr/>
+            </a:pPr>
+            <a:r>
+              <a:rPr lang="en-US" dirty="0">
+                <a:latin typeface="Calibri" charset="0"/>
+                <a:ea typeface="ＭＳ Ｐゴシック" charset="0"/>
+              </a:rPr>
+              <a:t>Self contained, self explanatory, </a:t>
+            </a:r>
+            <a:r>
+              <a:rPr lang="en-US" dirty="0" smtClean="0">
+                <a:latin typeface="Calibri" charset="0"/>
+                <a:ea typeface="ＭＳ Ｐゴシック" charset="0"/>
+              </a:rPr>
+              <a:t>portable</a:t>
+            </a:r>
+            <a:endParaRPr lang="en-US" dirty="0">
+              <a:latin typeface="Calibri" charset="0"/>
+              <a:ea typeface="ＭＳ Ｐゴシック" charset="0"/>
+            </a:endParaRPr>
+          </a:p>
+        </p:txBody>
+      </p:sp>
+    </p:spTree>
+    <p:extLst>
+      <p:ext uri="{BB962C8B-B14F-4D97-AF65-F5344CB8AC3E}">
+        <p14:creationId xmlns:p14="http://schemas.microsoft.com/office/powerpoint/2010/main" val="4213993722"/>
+      </p:ext>
+    </p:extLst>
+  </p:cSld>
+  <p:clrMapOvr>
+    <a:masterClrMapping/>
+  </p:clrMapOvr>
+  <p:timing>
+    <p:tnLst>
+      <p:par>
+        <p:cTn xmlns:p14="http://schemas.microsoft.com/office/powerpoint/2010/main" id="1" dur="indefinite" restart="never" nodeType="tmRoot"/>
+      </p:par>
+    </p:tnLst>
+  </p:timing>
+</p:sld>
+</file>
+
+<file path=ppt/slides/slide4.xml><?xml version="1.0" encoding="utf-8"?>
+<p:sld xmlns:a="http://schemas.openxmlformats.org/drawingml/2006/main" xmlns:r="http://schemas.openxmlformats.org/officeDocument/2006/relationships" xmlns:p="http://schemas.openxmlformats.org/presentationml/2006/main">
+  <p:cSld>
+    <p:spTree>
+      <p:nvGrpSpPr>
+        <p:cNvPr id="1" name=""/>
+        <p:cNvGrpSpPr/>
+        <p:nvPr/>
+      </p:nvGrpSpPr>
+      <p:grpSpPr>
+        <a:xfrm>
+          <a:off x="0" y="0"/>
+          <a:ext cx="0" cy="0"/>
+          <a:chOff x="0" y="0"/>
+          <a:chExt cx="0" cy="0"/>
+        </a:xfrm>
+      </p:grpSpPr>
+      <p:sp>
+        <p:nvSpPr>
+          <p:cNvPr id="13313" name="Title 1"/>
+          <p:cNvSpPr>
+            <a:spLocks noGrp="1"/>
+          </p:cNvSpPr>
+          <p:nvPr>
+            <p:ph type="title"/>
+          </p:nvPr>
+        </p:nvSpPr>
         <p:spPr>
           <a:xfrm>
-            <a:off x="152400" y="2667000"/>
-            <a:ext cx="8839200" cy="1600200"/>
+            <a:off x="152400" y="115888"/>
+            <a:ext cx="8839200" cy="1143000"/>
           </a:xfrm>
         </p:spPr>
         <p:txBody>
           <a:bodyPr/>
           <a:lstStyle/>
           <a:p>
-            <a:pPr algn="ctr">
-              <a:buFont typeface="Arial" charset="0"/>
-              <a:buNone/>
-            </a:pPr>
-            <a:r>
-              <a:rPr lang="en-US" sz="4400">
+            <a:r>
+              <a:rPr lang="en-US" dirty="0">
                 <a:latin typeface="Calibri" charset="0"/>
                 <a:ea typeface="ＭＳ Ｐゴシック" charset="0"/>
               </a:rPr>
-              <a:t>Break</a:t>
+              <a:t>Learning </a:t>
+            </a:r>
+            <a:r>
+              <a:rPr lang="en-US" dirty="0" smtClean="0">
+                <a:latin typeface="Calibri" charset="0"/>
+                <a:ea typeface="ＭＳ Ｐゴシック" charset="0"/>
+              </a:rPr>
+              <a:t>objectives </a:t>
+            </a:r>
+            <a:r>
+              <a:rPr lang="en-US" dirty="0">
+                <a:latin typeface="Calibri" charset="0"/>
+                <a:ea typeface="ＭＳ Ｐゴシック" charset="0"/>
+              </a:rPr>
+              <a:t>of </a:t>
+            </a:r>
+            <a:r>
+              <a:rPr lang="en-US" dirty="0" smtClean="0">
+                <a:latin typeface="Calibri" charset="0"/>
+                <a:ea typeface="ＭＳ Ｐゴシック" charset="0"/>
+              </a:rPr>
+              <a:t>module 4</a:t>
+            </a:r>
+            <a:endParaRPr lang="en-US" dirty="0">
+              <a:latin typeface="Calibri" charset="0"/>
+              <a:ea typeface="ＭＳ Ｐゴシック" charset="0"/>
+            </a:endParaRPr>
+          </a:p>
+        </p:txBody>
+      </p:sp>
+      <p:sp>
+        <p:nvSpPr>
+          <p:cNvPr id="13314" name="Content Placeholder 2"/>
+          <p:cNvSpPr>
+            <a:spLocks noGrp="1"/>
+          </p:cNvSpPr>
+          <p:nvPr>
+            <p:ph idx="1"/>
+          </p:nvPr>
+        </p:nvSpPr>
+        <p:spPr/>
+        <p:txBody>
+          <a:bodyPr/>
+          <a:lstStyle/>
+          <a:p>
+            <a:r>
+              <a:rPr lang="en-US" dirty="0">
+                <a:latin typeface="Calibri" charset="0"/>
+                <a:ea typeface="ＭＳ Ｐゴシック" charset="0"/>
+              </a:rPr>
+              <a:t>Explore use of </a:t>
+            </a:r>
+            <a:r>
+              <a:rPr lang="en-US" dirty="0" err="1" smtClean="0">
+                <a:latin typeface="Calibri" charset="0"/>
+                <a:ea typeface="ＭＳ Ｐゴシック" charset="0"/>
+              </a:rPr>
+              <a:t>StringTie</a:t>
+            </a:r>
+            <a:r>
+              <a:rPr lang="en-US" dirty="0" smtClean="0">
+                <a:latin typeface="Calibri" charset="0"/>
+                <a:ea typeface="ＭＳ Ｐゴシック" charset="0"/>
+              </a:rPr>
+              <a:t> in modes that facilitate transcript/isoform discovery. </a:t>
+            </a:r>
+            <a:endParaRPr lang="en-US" dirty="0">
+              <a:latin typeface="Calibri" charset="0"/>
+              <a:ea typeface="ＭＳ Ｐゴシック" charset="0"/>
+            </a:endParaRPr>
+          </a:p>
+          <a:p>
+            <a:pPr lvl="1"/>
+            <a:r>
+              <a:rPr lang="en-US" dirty="0" smtClean="0">
+                <a:latin typeface="Calibri" charset="0"/>
+                <a:ea typeface="ＭＳ Ｐゴシック" charset="0"/>
+              </a:rPr>
+              <a:t>This still requires </a:t>
+            </a:r>
+            <a:r>
+              <a:rPr lang="en-US" dirty="0">
+                <a:latin typeface="Calibri" charset="0"/>
+                <a:ea typeface="ＭＳ Ｐゴシック" charset="0"/>
+              </a:rPr>
+              <a:t>a reference genome sequence...</a:t>
             </a:r>
           </a:p>
         </p:txBody>
       </p:sp>
     </p:spTree>
+    <p:extLst>
+      <p:ext uri="{BB962C8B-B14F-4D97-AF65-F5344CB8AC3E}">
+        <p14:creationId xmlns:p14="http://schemas.microsoft.com/office/powerpoint/2010/main" val="821723511"/>
+      </p:ext>
+    </p:extLst>
+  </p:cSld>
+  <p:clrMapOvr>
+    <a:masterClrMapping/>
+  </p:clrMapOvr>
+  <p:timing>
+    <p:tnLst>
+      <p:par>
+        <p:cTn xmlns:p14="http://schemas.microsoft.com/office/powerpoint/2010/main" id="1" dur="indefinite" restart="never" nodeType="tmRoot"/>
+      </p:par>
+    </p:tnLst>
+  </p:timing>
+</p:sld>
+</file>
+
+<file path=ppt/slides/slide5.xml><?xml version="1.0" encoding="utf-8"?>
+<p:sld xmlns:a="http://schemas.openxmlformats.org/drawingml/2006/main" xmlns:r="http://schemas.openxmlformats.org/officeDocument/2006/relationships" xmlns:p="http://schemas.openxmlformats.org/presentationml/2006/main">
+  <p:cSld>
+    <p:spTree>
+      <p:nvGrpSpPr>
+        <p:cNvPr id="1" name=""/>
+        <p:cNvGrpSpPr/>
+        <p:nvPr/>
+      </p:nvGrpSpPr>
+      <p:grpSpPr>
+        <a:xfrm>
+          <a:off x="0" y="0"/>
+          <a:ext cx="0" cy="0"/>
+          <a:chOff x="0" y="0"/>
+          <a:chExt cx="0" cy="0"/>
+        </a:xfrm>
+      </p:grpSpPr>
+      <p:sp>
+        <p:nvSpPr>
+          <p:cNvPr id="15361" name="Title 1"/>
+          <p:cNvSpPr>
+            <a:spLocks noGrp="1"/>
+          </p:cNvSpPr>
+          <p:nvPr>
+            <p:ph type="title"/>
+          </p:nvPr>
+        </p:nvSpPr>
+        <p:spPr>
+          <a:xfrm>
+            <a:off x="152400" y="116632"/>
+            <a:ext cx="3411488" cy="1143001"/>
+          </a:xfrm>
+        </p:spPr>
+        <p:txBody>
+          <a:bodyPr/>
+          <a:lstStyle/>
+          <a:p>
+            <a:r>
+              <a:rPr lang="en-US" dirty="0">
+                <a:latin typeface="Calibri" charset="0"/>
+                <a:ea typeface="ＭＳ Ｐゴシック" charset="0"/>
+              </a:rPr>
+              <a:t>Review of gene expression</a:t>
+            </a:r>
+          </a:p>
+        </p:txBody>
+      </p:sp>
+      <p:pic>
+        <p:nvPicPr>
+          <p:cNvPr id="3" name="Picture 2" descr="Figure1.png"/>
+          <p:cNvPicPr>
+            <a:picLocks noChangeAspect="1"/>
+          </p:cNvPicPr>
+          <p:nvPr/>
+        </p:nvPicPr>
+        <p:blipFill>
+          <a:blip r:embed="rId2" cstate="print">
+            <a:extLst>
+              <a:ext uri="{28A0092B-C50C-407E-A947-70E740481C1C}">
+                <a14:useLocalDpi xmlns:a14="http://schemas.microsoft.com/office/drawing/2010/main" val="0"/>
+              </a:ext>
+            </a:extLst>
+          </a:blip>
+          <a:stretch>
+            <a:fillRect/>
+          </a:stretch>
+        </p:blipFill>
+        <p:spPr>
+          <a:xfrm>
+            <a:off x="3796144" y="116632"/>
+            <a:ext cx="4880312" cy="6102436"/>
+          </a:xfrm>
+          <a:prstGeom prst="rect">
+            <a:avLst/>
+          </a:prstGeom>
+        </p:spPr>
+      </p:pic>
+    </p:spTree>
+    <p:extLst>
+      <p:ext uri="{BB962C8B-B14F-4D97-AF65-F5344CB8AC3E}">
+        <p14:creationId xmlns:p14="http://schemas.microsoft.com/office/powerpoint/2010/main" val="629402272"/>
+      </p:ext>
+    </p:extLst>
+  </p:cSld>
+  <p:clrMapOvr>
+    <a:masterClrMapping/>
+  </p:clrMapOvr>
+  <p:timing>
+    <p:tnLst>
+      <p:par>
+        <p:cTn xmlns:p14="http://schemas.microsoft.com/office/powerpoint/2010/main" id="1" dur="indefinite" restart="never" nodeType="tmRoot"/>
+      </p:par>
+    </p:tnLst>
+  </p:timing>
+</p:sld>
+</file>
+
+<file path=ppt/slides/slide6.xml><?xml version="1.0" encoding="utf-8"?>
+<p:sld xmlns:a="http://schemas.openxmlformats.org/drawingml/2006/main" xmlns:r="http://schemas.openxmlformats.org/officeDocument/2006/relationships" xmlns:p="http://schemas.openxmlformats.org/presentationml/2006/main">
+  <p:cSld>
+    <p:spTree>
+      <p:nvGrpSpPr>
+        <p:cNvPr id="1" name=""/>
+        <p:cNvGrpSpPr/>
+        <p:nvPr/>
+      </p:nvGrpSpPr>
+      <p:grpSpPr>
+        <a:xfrm>
+          <a:off x="0" y="0"/>
+          <a:ext cx="0" cy="0"/>
+          <a:chOff x="0" y="0"/>
+          <a:chExt cx="0" cy="0"/>
+        </a:xfrm>
+      </p:grpSpPr>
+      <p:sp>
+        <p:nvSpPr>
+          <p:cNvPr id="18433" name="Title 1"/>
+          <p:cNvSpPr>
+            <a:spLocks noGrp="1"/>
+          </p:cNvSpPr>
+          <p:nvPr>
+            <p:ph type="title"/>
+          </p:nvPr>
+        </p:nvSpPr>
+        <p:spPr>
+          <a:xfrm>
+            <a:off x="152400" y="-26988"/>
+            <a:ext cx="8839200" cy="1143001"/>
+          </a:xfrm>
+        </p:spPr>
+        <p:txBody>
+          <a:bodyPr/>
+          <a:lstStyle/>
+          <a:p>
+            <a:r>
+              <a:rPr lang="en-US">
+                <a:latin typeface="Calibri" charset="0"/>
+                <a:ea typeface="ＭＳ Ｐゴシック" charset="0"/>
+              </a:rPr>
+              <a:t>Types of alternative expression - part 1</a:t>
+            </a:r>
+          </a:p>
+        </p:txBody>
+      </p:sp>
+      <p:pic>
+        <p:nvPicPr>
+          <p:cNvPr id="18434" name="Content Placeholder 3" descr="Figure2.png"/>
+          <p:cNvPicPr>
+            <a:picLocks noGrp="1" noChangeAspect="1"/>
+          </p:cNvPicPr>
+          <p:nvPr>
+            <p:ph idx="1"/>
+          </p:nvPr>
+        </p:nvPicPr>
+        <p:blipFill>
+          <a:blip r:embed="rId2">
+            <a:extLst>
+              <a:ext uri="{28A0092B-C50C-407E-A947-70E740481C1C}">
+                <a14:useLocalDpi xmlns:a14="http://schemas.microsoft.com/office/drawing/2010/main" val="0"/>
+              </a:ext>
+            </a:extLst>
+          </a:blip>
+          <a:srcRect l="-249" r="-1949" b="48083"/>
+          <a:stretch>
+            <a:fillRect/>
+          </a:stretch>
+        </p:blipFill>
+        <p:spPr>
+          <a:xfrm>
+            <a:off x="1277938" y="1341438"/>
+            <a:ext cx="7129462" cy="4611687"/>
+          </a:xfrm>
+        </p:spPr>
+      </p:pic>
+    </p:spTree>
+    <p:extLst>
+      <p:ext uri="{BB962C8B-B14F-4D97-AF65-F5344CB8AC3E}">
+        <p14:creationId xmlns:p14="http://schemas.microsoft.com/office/powerpoint/2010/main" val="1114491418"/>
+      </p:ext>
+    </p:extLst>
+  </p:cSld>
+  <p:clrMapOvr>
+    <a:masterClrMapping/>
+  </p:clrMapOvr>
+  <p:timing>
+    <p:tnLst>
+      <p:par>
+        <p:cTn xmlns:p14="http://schemas.microsoft.com/office/powerpoint/2010/main" id="1" dur="indefinite" restart="never" nodeType="tmRoot"/>
+      </p:par>
+    </p:tnLst>
+  </p:timing>
+</p:sld>
+</file>
+
+<file path=ppt/slides/slide7.xml><?xml version="1.0" encoding="utf-8"?>
+<p:sld xmlns:a="http://schemas.openxmlformats.org/drawingml/2006/main" xmlns:r="http://schemas.openxmlformats.org/officeDocument/2006/relationships" xmlns:p="http://schemas.openxmlformats.org/presentationml/2006/main">
+  <p:cSld>
+    <p:spTree>
+      <p:nvGrpSpPr>
+        <p:cNvPr id="1" name=""/>
+        <p:cNvGrpSpPr/>
+        <p:nvPr/>
+      </p:nvGrpSpPr>
+      <p:grpSpPr>
+        <a:xfrm>
+          <a:off x="0" y="0"/>
+          <a:ext cx="0" cy="0"/>
+          <a:chOff x="0" y="0"/>
+          <a:chExt cx="0" cy="0"/>
+        </a:xfrm>
+      </p:grpSpPr>
+      <p:sp>
+        <p:nvSpPr>
+          <p:cNvPr id="19457" name="Title 1"/>
+          <p:cNvSpPr>
+            <a:spLocks noGrp="1"/>
+          </p:cNvSpPr>
+          <p:nvPr>
+            <p:ph type="title"/>
+          </p:nvPr>
+        </p:nvSpPr>
+        <p:spPr>
+          <a:xfrm>
+            <a:off x="152400" y="-26988"/>
+            <a:ext cx="8839200" cy="1143001"/>
+          </a:xfrm>
+        </p:spPr>
+        <p:txBody>
+          <a:bodyPr/>
+          <a:lstStyle/>
+          <a:p>
+            <a:r>
+              <a:rPr lang="en-US">
+                <a:latin typeface="Calibri" charset="0"/>
+                <a:ea typeface="ＭＳ Ｐゴシック" charset="0"/>
+              </a:rPr>
+              <a:t>Types of alternative expression – part 2</a:t>
+            </a:r>
+          </a:p>
+        </p:txBody>
+      </p:sp>
+      <p:pic>
+        <p:nvPicPr>
+          <p:cNvPr id="19458" name="Content Placeholder 3" descr="Figure2.png"/>
+          <p:cNvPicPr>
+            <a:picLocks noGrp="1" noChangeAspect="1"/>
+          </p:cNvPicPr>
+          <p:nvPr>
+            <p:ph idx="1"/>
+          </p:nvPr>
+        </p:nvPicPr>
+        <p:blipFill>
+          <a:blip r:embed="rId2">
+            <a:extLst>
+              <a:ext uri="{28A0092B-C50C-407E-A947-70E740481C1C}">
+                <a14:useLocalDpi xmlns:a14="http://schemas.microsoft.com/office/drawing/2010/main" val="0"/>
+              </a:ext>
+            </a:extLst>
+          </a:blip>
+          <a:srcRect l="-500" t="52509" r="-2956"/>
+          <a:stretch>
+            <a:fillRect/>
+          </a:stretch>
+        </p:blipFill>
+        <p:spPr>
+          <a:xfrm>
+            <a:off x="900113" y="1341438"/>
+            <a:ext cx="7654925" cy="4475162"/>
+          </a:xfrm>
+        </p:spPr>
+      </p:pic>
+    </p:spTree>
+    <p:extLst>
+      <p:ext uri="{BB962C8B-B14F-4D97-AF65-F5344CB8AC3E}">
+        <p14:creationId xmlns:p14="http://schemas.microsoft.com/office/powerpoint/2010/main" val="2886928250"/>
+      </p:ext>
+    </p:extLst>
+  </p:cSld>
+  <p:clrMapOvr>
+    <a:masterClrMapping/>
+  </p:clrMapOvr>
+</p:sld>
+</file>
+
+<file path=ppt/slides/slide8.xml><?xml version="1.0" encoding="utf-8"?>
+<p:sld xmlns:a="http://schemas.openxmlformats.org/drawingml/2006/main" xmlns:r="http://schemas.openxmlformats.org/officeDocument/2006/relationships" xmlns:p="http://schemas.openxmlformats.org/presentationml/2006/main">
+  <p:cSld>
+    <p:spTree>
+      <p:nvGrpSpPr>
+        <p:cNvPr id="1" name=""/>
+        <p:cNvGrpSpPr/>
+        <p:nvPr/>
+      </p:nvGrpSpPr>
+      <p:grpSpPr>
+        <a:xfrm>
+          <a:off x="0" y="0"/>
+          <a:ext cx="0" cy="0"/>
+          <a:chOff x="0" y="0"/>
+          <a:chExt cx="0" cy="0"/>
+        </a:xfrm>
+      </p:grpSpPr>
+      <p:sp>
+        <p:nvSpPr>
+          <p:cNvPr id="16385" name="Title 1"/>
+          <p:cNvSpPr>
+            <a:spLocks noGrp="1"/>
+          </p:cNvSpPr>
+          <p:nvPr>
+            <p:ph type="title"/>
+          </p:nvPr>
+        </p:nvSpPr>
+        <p:spPr>
+          <a:xfrm>
+            <a:off x="152400" y="-26988"/>
+            <a:ext cx="8839200" cy="1143001"/>
+          </a:xfrm>
+        </p:spPr>
+        <p:txBody>
+          <a:bodyPr/>
+          <a:lstStyle/>
+          <a:p>
+            <a:r>
+              <a:rPr lang="en-US">
+                <a:latin typeface="Calibri" charset="0"/>
+                <a:ea typeface="ＭＳ Ｐゴシック" charset="0"/>
+              </a:rPr>
+              <a:t>Methods to study splicing by RNA-seq</a:t>
+            </a:r>
+          </a:p>
+        </p:txBody>
+      </p:sp>
+      <p:pic>
+        <p:nvPicPr>
+          <p:cNvPr id="16386" name="Content Placeholder 3" descr="RNAseqToolsForAlternativeSplicing.jpg"/>
+          <p:cNvPicPr>
+            <a:picLocks noGrp="1" noChangeAspect="1"/>
+          </p:cNvPicPr>
+          <p:nvPr>
+            <p:ph idx="1"/>
+          </p:nvPr>
+        </p:nvPicPr>
+        <p:blipFill>
+          <a:blip r:embed="rId2">
+            <a:extLst>
+              <a:ext uri="{28A0092B-C50C-407E-A947-70E740481C1C}">
+                <a14:useLocalDpi xmlns:a14="http://schemas.microsoft.com/office/drawing/2010/main" val="0"/>
+              </a:ext>
+            </a:extLst>
+          </a:blip>
+          <a:srcRect l="5405" t="1907" r="5653" b="3806"/>
+          <a:stretch>
+            <a:fillRect/>
+          </a:stretch>
+        </p:blipFill>
+        <p:spPr>
+          <a:xfrm>
+            <a:off x="2263775" y="981075"/>
+            <a:ext cx="4608513" cy="4884738"/>
+          </a:xfrm>
+        </p:spPr>
+      </p:pic>
+      <p:sp>
+        <p:nvSpPr>
+          <p:cNvPr id="16387" name="TextBox 4"/>
+          <p:cNvSpPr txBox="1">
+            <a:spLocks noChangeArrowheads="1"/>
+          </p:cNvSpPr>
+          <p:nvPr/>
+        </p:nvSpPr>
+        <p:spPr bwMode="auto">
+          <a:xfrm>
+            <a:off x="533400" y="5876925"/>
+            <a:ext cx="8070850" cy="523875"/>
+          </a:xfrm>
+          <a:prstGeom prst="rect">
+            <a:avLst/>
+          </a:prstGeom>
+          <a:noFill/>
+          <a:ln>
+            <a:noFill/>
+          </a:ln>
+          <a:extLst>
+            <a:ext uri="{909E8E84-426E-40dd-AFC4-6F175D3DCCD1}">
+              <a14:hiddenFill xmlns:a14="http://schemas.microsoft.com/office/drawing/2010/main">
+                <a:solidFill>
+                  <a:srgbClr val="FFFFFF"/>
+                </a:solidFill>
+              </a14:hiddenFill>
+            </a:ext>
+            <a:ext uri="{91240B29-F687-4f45-9708-019B960494DF}">
+              <a14:hiddenLine xmlns:a14="http://schemas.microsoft.com/office/drawing/2010/main" w="9525">
+                <a:solidFill>
+                  <a:srgbClr val="000000"/>
+                </a:solidFill>
+                <a:miter lim="800000"/>
+                <a:headEnd/>
+                <a:tailEnd/>
+              </a14:hiddenLine>
+            </a:ext>
+          </a:extLst>
+        </p:spPr>
+        <p:txBody>
+          <a:bodyPr wrap="none">
+            <a:spAutoFit/>
+          </a:bodyPr>
+          <a:lstStyle>
+            <a:lvl1pPr eaLnBrk="0" hangingPunct="0">
+              <a:defRPr sz="2400">
+                <a:solidFill>
+                  <a:schemeClr val="tx1"/>
+                </a:solidFill>
+                <a:latin typeface="Arial" charset="0"/>
+                <a:ea typeface="ＭＳ Ｐゴシック" charset="0"/>
+                <a:cs typeface="ＭＳ Ｐゴシック" charset="0"/>
+              </a:defRPr>
+            </a:lvl1pPr>
+            <a:lvl2pPr marL="742950" indent="-285750" eaLnBrk="0" hangingPunct="0">
+              <a:defRPr sz="2400">
+                <a:solidFill>
+                  <a:schemeClr val="tx1"/>
+                </a:solidFill>
+                <a:latin typeface="Arial" charset="0"/>
+                <a:ea typeface="ＭＳ Ｐゴシック" charset="0"/>
+              </a:defRPr>
+            </a:lvl2pPr>
+            <a:lvl3pPr marL="1143000" indent="-228600" eaLnBrk="0" hangingPunct="0">
+              <a:defRPr sz="2400">
+                <a:solidFill>
+                  <a:schemeClr val="tx1"/>
+                </a:solidFill>
+                <a:latin typeface="Arial" charset="0"/>
+                <a:ea typeface="ＭＳ Ｐゴシック" charset="0"/>
+              </a:defRPr>
+            </a:lvl3pPr>
+            <a:lvl4pPr marL="1600200" indent="-228600" eaLnBrk="0" hangingPunct="0">
+              <a:defRPr sz="2400">
+                <a:solidFill>
+                  <a:schemeClr val="tx1"/>
+                </a:solidFill>
+                <a:latin typeface="Arial" charset="0"/>
+                <a:ea typeface="ＭＳ Ｐゴシック" charset="0"/>
+              </a:defRPr>
+            </a:lvl4pPr>
+            <a:lvl5pPr marL="2057400" indent="-228600" eaLnBrk="0" hangingPunct="0">
+              <a:defRPr sz="2400">
+                <a:solidFill>
+                  <a:schemeClr val="tx1"/>
+                </a:solidFill>
+                <a:latin typeface="Arial" charset="0"/>
+                <a:ea typeface="ＭＳ Ｐゴシック" charset="0"/>
+              </a:defRPr>
+            </a:lvl5pPr>
+            <a:lvl6pPr marL="2514600" indent="-228600" eaLnBrk="0" fontAlgn="base" hangingPunct="0">
+              <a:spcBef>
+                <a:spcPct val="0"/>
+              </a:spcBef>
+              <a:spcAft>
+                <a:spcPct val="0"/>
+              </a:spcAft>
+              <a:defRPr sz="2400">
+                <a:solidFill>
+                  <a:schemeClr val="tx1"/>
+                </a:solidFill>
+                <a:latin typeface="Arial" charset="0"/>
+                <a:ea typeface="ＭＳ Ｐゴシック" charset="0"/>
+              </a:defRPr>
+            </a:lvl6pPr>
+            <a:lvl7pPr marL="2971800" indent="-228600" eaLnBrk="0" fontAlgn="base" hangingPunct="0">
+              <a:spcBef>
+                <a:spcPct val="0"/>
+              </a:spcBef>
+              <a:spcAft>
+                <a:spcPct val="0"/>
+              </a:spcAft>
+              <a:defRPr sz="2400">
+                <a:solidFill>
+                  <a:schemeClr val="tx1"/>
+                </a:solidFill>
+                <a:latin typeface="Arial" charset="0"/>
+                <a:ea typeface="ＭＳ Ｐゴシック" charset="0"/>
+              </a:defRPr>
+            </a:lvl7pPr>
+            <a:lvl8pPr marL="3429000" indent="-228600" eaLnBrk="0" fontAlgn="base" hangingPunct="0">
+              <a:spcBef>
+                <a:spcPct val="0"/>
+              </a:spcBef>
+              <a:spcAft>
+                <a:spcPct val="0"/>
+              </a:spcAft>
+              <a:defRPr sz="2400">
+                <a:solidFill>
+                  <a:schemeClr val="tx1"/>
+                </a:solidFill>
+                <a:latin typeface="Arial" charset="0"/>
+                <a:ea typeface="ＭＳ Ｐゴシック" charset="0"/>
+              </a:defRPr>
+            </a:lvl8pPr>
+            <a:lvl9pPr marL="3886200" indent="-228600" eaLnBrk="0" fontAlgn="base" hangingPunct="0">
+              <a:spcBef>
+                <a:spcPct val="0"/>
+              </a:spcBef>
+              <a:spcAft>
+                <a:spcPct val="0"/>
+              </a:spcAft>
+              <a:defRPr sz="2400">
+                <a:solidFill>
+                  <a:schemeClr val="tx1"/>
+                </a:solidFill>
+                <a:latin typeface="Arial" charset="0"/>
+                <a:ea typeface="ＭＳ Ｐゴシック" charset="0"/>
+              </a:defRPr>
+            </a:lvl9pPr>
+          </a:lstStyle>
+          <a:p>
+            <a:pPr eaLnBrk="1" hangingPunct="1"/>
+            <a:r>
+              <a:rPr lang="en-US" sz="1400">
+                <a:hlinkClick r:id="rId3"/>
+              </a:rPr>
+              <a:t>http://www.rna-seqblog.com/data-analysis/splicing-junction/methods-to-study-splicing-from-rna-seq/</a:t>
+            </a:r>
+            <a:endParaRPr lang="en-US" sz="1400"/>
+          </a:p>
+          <a:p>
+            <a:pPr eaLnBrk="1" hangingPunct="1"/>
+            <a:r>
+              <a:rPr lang="en-US" sz="1400">
+                <a:hlinkClick r:id="rId4"/>
+              </a:rPr>
+              <a:t>http://arxiv.org/ftp/arxiv/papers/1304/1304.5952.pdf</a:t>
+            </a:r>
+            <a:endParaRPr lang="en-US" sz="1400"/>
+          </a:p>
+        </p:txBody>
+      </p:sp>
+    </p:spTree>
+    <p:extLst>
+      <p:ext uri="{BB962C8B-B14F-4D97-AF65-F5344CB8AC3E}">
+        <p14:creationId xmlns:p14="http://schemas.microsoft.com/office/powerpoint/2010/main" val="1153569961"/>
+      </p:ext>
+    </p:extLst>
+  </p:cSld>
+  <p:clrMapOvr>
+    <a:masterClrMapping/>
+  </p:clrMapOvr>
+  <p:timing>
+    <p:tnLst>
+      <p:par>
+        <p:cTn xmlns:p14="http://schemas.microsoft.com/office/powerpoint/2010/main" id="1" dur="indefinite" restart="never" nodeType="tmRoot"/>
+      </p:par>
+    </p:tnLst>
+  </p:timing>
+</p:sld>
+</file>
+
+<file path=ppt/slides/slide9.xml><?xml version="1.0" encoding="utf-8"?>
+<p:sld xmlns:a="http://schemas.openxmlformats.org/drawingml/2006/main" xmlns:r="http://schemas.openxmlformats.org/officeDocument/2006/relationships" xmlns:p="http://schemas.openxmlformats.org/presentationml/2006/main">
+  <p:cSld>
+    <p:spTree>
+      <p:nvGrpSpPr>
+        <p:cNvPr id="1" name=""/>
+        <p:cNvGrpSpPr/>
+        <p:nvPr/>
+      </p:nvGrpSpPr>
+      <p:grpSpPr>
+        <a:xfrm>
+          <a:off x="0" y="0"/>
+          <a:ext cx="0" cy="0"/>
+          <a:chOff x="0" y="0"/>
+          <a:chExt cx="0" cy="0"/>
+        </a:xfrm>
+      </p:grpSpPr>
+      <p:sp>
+        <p:nvSpPr>
+          <p:cNvPr id="27649" name="Title 1"/>
+          <p:cNvSpPr>
+            <a:spLocks noGrp="1"/>
+          </p:cNvSpPr>
+          <p:nvPr>
+            <p:ph type="title"/>
+          </p:nvPr>
+        </p:nvSpPr>
+        <p:spPr>
+          <a:xfrm>
+            <a:off x="152400" y="-26988"/>
+            <a:ext cx="8839200" cy="1143001"/>
+          </a:xfrm>
+        </p:spPr>
+        <p:txBody>
+          <a:bodyPr/>
+          <a:lstStyle/>
+          <a:p>
+            <a:r>
+              <a:rPr lang="en-US">
+                <a:latin typeface="Calibri" charset="0"/>
+                <a:ea typeface="ＭＳ Ｐゴシック" charset="0"/>
+              </a:rPr>
+              <a:t>Methods to study splicing by RNA-seq</a:t>
+            </a:r>
+          </a:p>
+        </p:txBody>
+      </p:sp>
+      <p:pic>
+        <p:nvPicPr>
+          <p:cNvPr id="27650" name="Content Placeholder 3" descr="RNAseqToolsForAlternativeSplicing.jpg"/>
+          <p:cNvPicPr>
+            <a:picLocks noGrp="1" noChangeAspect="1"/>
+          </p:cNvPicPr>
+          <p:nvPr>
+            <p:ph idx="1"/>
+          </p:nvPr>
+        </p:nvPicPr>
+        <p:blipFill>
+          <a:blip r:embed="rId2">
+            <a:extLst>
+              <a:ext uri="{28A0092B-C50C-407E-A947-70E740481C1C}">
+                <a14:useLocalDpi xmlns:a14="http://schemas.microsoft.com/office/drawing/2010/main" val="0"/>
+              </a:ext>
+            </a:extLst>
+          </a:blip>
+          <a:srcRect l="5405" t="24612" r="51976" b="53220"/>
+          <a:stretch>
+            <a:fillRect/>
+          </a:stretch>
+        </p:blipFill>
+        <p:spPr>
+          <a:xfrm>
+            <a:off x="395288" y="1412875"/>
+            <a:ext cx="7777162" cy="4044950"/>
+          </a:xfrm>
+        </p:spPr>
+      </p:pic>
+      <p:sp>
+        <p:nvSpPr>
+          <p:cNvPr id="27651" name="TextBox 4"/>
+          <p:cNvSpPr txBox="1">
+            <a:spLocks noChangeArrowheads="1"/>
+          </p:cNvSpPr>
+          <p:nvPr/>
+        </p:nvSpPr>
+        <p:spPr bwMode="auto">
+          <a:xfrm>
+            <a:off x="533400" y="5876925"/>
+            <a:ext cx="8070850" cy="523875"/>
+          </a:xfrm>
+          <a:prstGeom prst="rect">
+            <a:avLst/>
+          </a:prstGeom>
+          <a:noFill/>
+          <a:ln>
+            <a:noFill/>
+          </a:ln>
+          <a:extLst>
+            <a:ext uri="{909E8E84-426E-40dd-AFC4-6F175D3DCCD1}">
+              <a14:hiddenFill xmlns:a14="http://schemas.microsoft.com/office/drawing/2010/main">
+                <a:solidFill>
+                  <a:srgbClr val="FFFFFF"/>
+                </a:solidFill>
+              </a14:hiddenFill>
+            </a:ext>
+            <a:ext uri="{91240B29-F687-4f45-9708-019B960494DF}">
+              <a14:hiddenLine xmlns:a14="http://schemas.microsoft.com/office/drawing/2010/main" w="9525">
+                <a:solidFill>
+                  <a:srgbClr val="000000"/>
+                </a:solidFill>
+                <a:miter lim="800000"/>
+                <a:headEnd/>
+                <a:tailEnd/>
+              </a14:hiddenLine>
+            </a:ext>
+          </a:extLst>
+        </p:spPr>
+        <p:txBody>
+          <a:bodyPr wrap="none">
+            <a:spAutoFit/>
+          </a:bodyPr>
+          <a:lstStyle>
+            <a:lvl1pPr eaLnBrk="0" hangingPunct="0">
+              <a:defRPr sz="2400">
+                <a:solidFill>
+                  <a:schemeClr val="tx1"/>
+                </a:solidFill>
+                <a:latin typeface="Arial" charset="0"/>
+                <a:ea typeface="ＭＳ Ｐゴシック" charset="0"/>
+                <a:cs typeface="ＭＳ Ｐゴシック" charset="0"/>
+              </a:defRPr>
+            </a:lvl1pPr>
+            <a:lvl2pPr marL="742950" indent="-285750" eaLnBrk="0" hangingPunct="0">
+              <a:defRPr sz="2400">
+                <a:solidFill>
+                  <a:schemeClr val="tx1"/>
+                </a:solidFill>
+                <a:latin typeface="Arial" charset="0"/>
+                <a:ea typeface="ＭＳ Ｐゴシック" charset="0"/>
+              </a:defRPr>
+            </a:lvl2pPr>
+            <a:lvl3pPr marL="1143000" indent="-228600" eaLnBrk="0" hangingPunct="0">
+              <a:defRPr sz="2400">
+                <a:solidFill>
+                  <a:schemeClr val="tx1"/>
+                </a:solidFill>
+                <a:latin typeface="Arial" charset="0"/>
+                <a:ea typeface="ＭＳ Ｐゴシック" charset="0"/>
+              </a:defRPr>
+            </a:lvl3pPr>
+            <a:lvl4pPr marL="1600200" indent="-228600" eaLnBrk="0" hangingPunct="0">
+              <a:defRPr sz="2400">
+                <a:solidFill>
+                  <a:schemeClr val="tx1"/>
+                </a:solidFill>
+                <a:latin typeface="Arial" charset="0"/>
+                <a:ea typeface="ＭＳ Ｐゴシック" charset="0"/>
+              </a:defRPr>
+            </a:lvl4pPr>
+            <a:lvl5pPr marL="2057400" indent="-228600" eaLnBrk="0" hangingPunct="0">
+              <a:defRPr sz="2400">
+                <a:solidFill>
+                  <a:schemeClr val="tx1"/>
+                </a:solidFill>
+                <a:latin typeface="Arial" charset="0"/>
+                <a:ea typeface="ＭＳ Ｐゴシック" charset="0"/>
+              </a:defRPr>
+            </a:lvl5pPr>
+            <a:lvl6pPr marL="2514600" indent="-228600" eaLnBrk="0" fontAlgn="base" hangingPunct="0">
+              <a:spcBef>
+                <a:spcPct val="0"/>
+              </a:spcBef>
+              <a:spcAft>
+                <a:spcPct val="0"/>
+              </a:spcAft>
+              <a:defRPr sz="2400">
+                <a:solidFill>
+                  <a:schemeClr val="tx1"/>
+                </a:solidFill>
+                <a:latin typeface="Arial" charset="0"/>
+                <a:ea typeface="ＭＳ Ｐゴシック" charset="0"/>
+              </a:defRPr>
+            </a:lvl6pPr>
+            <a:lvl7pPr marL="2971800" indent="-228600" eaLnBrk="0" fontAlgn="base" hangingPunct="0">
+              <a:spcBef>
+                <a:spcPct val="0"/>
+              </a:spcBef>
+              <a:spcAft>
+                <a:spcPct val="0"/>
+              </a:spcAft>
+              <a:defRPr sz="2400">
+                <a:solidFill>
+                  <a:schemeClr val="tx1"/>
+                </a:solidFill>
+                <a:latin typeface="Arial" charset="0"/>
+                <a:ea typeface="ＭＳ Ｐゴシック" charset="0"/>
+              </a:defRPr>
+            </a:lvl7pPr>
+            <a:lvl8pPr marL="3429000" indent="-228600" eaLnBrk="0" fontAlgn="base" hangingPunct="0">
+              <a:spcBef>
+                <a:spcPct val="0"/>
+              </a:spcBef>
+              <a:spcAft>
+                <a:spcPct val="0"/>
+              </a:spcAft>
+              <a:defRPr sz="2400">
+                <a:solidFill>
+                  <a:schemeClr val="tx1"/>
+                </a:solidFill>
+                <a:latin typeface="Arial" charset="0"/>
+                <a:ea typeface="ＭＳ Ｐゴシック" charset="0"/>
+              </a:defRPr>
+            </a:lvl8pPr>
+            <a:lvl9pPr marL="3886200" indent="-228600" eaLnBrk="0" fontAlgn="base" hangingPunct="0">
+              <a:spcBef>
+                <a:spcPct val="0"/>
+              </a:spcBef>
+              <a:spcAft>
+                <a:spcPct val="0"/>
+              </a:spcAft>
+              <a:defRPr sz="2400">
+                <a:solidFill>
+                  <a:schemeClr val="tx1"/>
+                </a:solidFill>
+                <a:latin typeface="Arial" charset="0"/>
+                <a:ea typeface="ＭＳ Ｐゴシック" charset="0"/>
+              </a:defRPr>
+            </a:lvl9pPr>
+          </a:lstStyle>
+          <a:p>
+            <a:pPr eaLnBrk="1" hangingPunct="1"/>
+            <a:r>
+              <a:rPr lang="en-US" sz="1400">
+                <a:hlinkClick r:id="rId3"/>
+              </a:rPr>
+              <a:t>http://www.rna-seqblog.com/data-analysis/splicing-junction/methods-to-study-splicing-from-rna-seq/</a:t>
+            </a:r>
+            <a:endParaRPr lang="en-US" sz="1400"/>
+          </a:p>
+          <a:p>
+            <a:pPr eaLnBrk="1" hangingPunct="1"/>
+            <a:r>
+              <a:rPr lang="en-US" sz="1400">
+                <a:hlinkClick r:id="rId4"/>
+              </a:rPr>
+              <a:t>http://arxiv.org/ftp/arxiv/papers/1304/1304.5952.pdf</a:t>
+            </a:r>
+            <a:endParaRPr lang="en-US" sz="1400"/>
+          </a:p>
+        </p:txBody>
+      </p:sp>
+    </p:spTree>
+    <p:extLst>
+      <p:ext uri="{BB962C8B-B14F-4D97-AF65-F5344CB8AC3E}">
+        <p14:creationId xmlns:p14="http://schemas.microsoft.com/office/powerpoint/2010/main" val="1051020104"/>
+      </p:ext>
+    </p:extLst>
   </p:cSld>
   <p:clrMapOvr>
     <a:masterClrMapping/>
